--- a/Диссертация/Смотр 1 курс 2 семестр/Артамонова_презентация.pptx
+++ b/Диссертация/Смотр 1 курс 2 семестр/Артамонова_презентация.pptx
@@ -3556,7 +3556,7 @@
             <a:fld id="{7EA884AF-4C88-424D-ADB7-7848CE0D5563}" type="datetimeFigureOut">
               <a:rPr lang="ru-RU" smtClean="0"/>
               <a:pPr/>
-              <a:t>29.05.2024</a:t>
+              <a:t>02.06.2024</a:t>
             </a:fld>
             <a:endParaRPr lang="ru-RU"/>
           </a:p>
@@ -3926,7 +3926,7 @@
             <a:fld id="{38ED4DB7-AC7F-4A42-877D-9FD276944AEC}" type="datetime1">
               <a:rPr lang="ru-RU" smtClean="0"/>
               <a:pPr/>
-              <a:t>29.05.2024</a:t>
+              <a:t>02.06.2024</a:t>
             </a:fld>
             <a:endParaRPr lang="ru-RU"/>
           </a:p>
@@ -4130,7 +4130,7 @@
             <a:fld id="{EFA4A34B-65F3-406A-BC9E-C6FAF08B0E8B}" type="datetime1">
               <a:rPr lang="ru-RU" smtClean="0"/>
               <a:pPr/>
-              <a:t>29.05.2024</a:t>
+              <a:t>02.06.2024</a:t>
             </a:fld>
             <a:endParaRPr lang="ru-RU"/>
           </a:p>
@@ -4310,7 +4310,7 @@
             <a:fld id="{5BA1F008-62DC-4A23-BE89-996EF89291BF}" type="datetime1">
               <a:rPr lang="ru-RU" smtClean="0"/>
               <a:pPr/>
-              <a:t>29.05.2024</a:t>
+              <a:t>02.06.2024</a:t>
             </a:fld>
             <a:endParaRPr lang="ru-RU"/>
           </a:p>
@@ -4490,7 +4490,7 @@
             <a:fld id="{B3F6E369-3AF4-4F4F-905B-434A00AC4342}" type="datetime1">
               <a:rPr lang="ru-RU" smtClean="0"/>
               <a:pPr/>
-              <a:t>29.05.2024</a:t>
+              <a:t>02.06.2024</a:t>
             </a:fld>
             <a:endParaRPr lang="ru-RU"/>
           </a:p>
@@ -4737,7 +4737,7 @@
             <a:fld id="{463BB650-AFB8-4EB8-8969-2F959D8EAD4F}" type="datetime1">
               <a:rPr lang="ru-RU" smtClean="0"/>
               <a:pPr/>
-              <a:t>29.05.2024</a:t>
+              <a:t>02.06.2024</a:t>
             </a:fld>
             <a:endParaRPr lang="ru-RU"/>
           </a:p>
@@ -4968,7 +4968,7 @@
             <a:fld id="{79F2B9F4-0FDB-4F6F-8737-A82692AF2004}" type="datetime1">
               <a:rPr lang="ru-RU" smtClean="0"/>
               <a:pPr/>
-              <a:t>29.05.2024</a:t>
+              <a:t>02.06.2024</a:t>
             </a:fld>
             <a:endParaRPr lang="ru-RU"/>
           </a:p>
@@ -5334,7 +5334,7 @@
             <a:fld id="{B0ECDEB8-08B2-47E9-8D6E-8DF583962871}" type="datetime1">
               <a:rPr lang="ru-RU" smtClean="0"/>
               <a:pPr/>
-              <a:t>29.05.2024</a:t>
+              <a:t>02.06.2024</a:t>
             </a:fld>
             <a:endParaRPr lang="ru-RU"/>
           </a:p>
@@ -5453,7 +5453,7 @@
             <a:fld id="{0125CFBC-8A1E-4B88-8318-D1A46FE9274C}" type="datetime1">
               <a:rPr lang="ru-RU" smtClean="0"/>
               <a:pPr/>
-              <a:t>29.05.2024</a:t>
+              <a:t>02.06.2024</a:t>
             </a:fld>
             <a:endParaRPr lang="ru-RU"/>
           </a:p>
@@ -5550,7 +5550,7 @@
             <a:fld id="{387EE4BF-63A5-4437-AD9E-A7DB957F2D34}" type="datetime1">
               <a:rPr lang="ru-RU" smtClean="0"/>
               <a:pPr/>
-              <a:t>29.05.2024</a:t>
+              <a:t>02.06.2024</a:t>
             </a:fld>
             <a:endParaRPr lang="ru-RU"/>
           </a:p>
@@ -5827,7 +5827,7 @@
             <a:fld id="{A91547C4-783C-4D72-A274-36C5C4D4FDF8}" type="datetime1">
               <a:rPr lang="ru-RU" smtClean="0"/>
               <a:pPr/>
-              <a:t>29.05.2024</a:t>
+              <a:t>02.06.2024</a:t>
             </a:fld>
             <a:endParaRPr lang="ru-RU"/>
           </a:p>
@@ -6081,7 +6081,7 @@
             <a:fld id="{668A31C0-00A8-4167-8EC1-69433850E9EF}" type="datetime1">
               <a:rPr lang="ru-RU" smtClean="0"/>
               <a:pPr/>
-              <a:t>29.05.2024</a:t>
+              <a:t>02.06.2024</a:t>
             </a:fld>
             <a:endParaRPr lang="ru-RU"/>
           </a:p>
@@ -6294,7 +6294,7 @@
             <a:fld id="{72B28B62-43C0-48EE-AC9E-FDF4B84CC8ED}" type="datetime1">
               <a:rPr lang="ru-RU" smtClean="0"/>
               <a:pPr/>
-              <a:t>29.05.2024</a:t>
+              <a:t>02.06.2024</a:t>
             </a:fld>
             <a:endParaRPr lang="ru-RU"/>
           </a:p>
@@ -8376,7 +8376,7 @@
             <p:spPr>
               <a:xfrm>
                 <a:off x="159391" y="1066010"/>
-                <a:ext cx="6518246" cy="6165534"/>
+                <a:ext cx="6518246" cy="5934958"/>
               </a:xfrm>
               <a:prstGeom prst="rect">
                 <a:avLst/>
@@ -9396,831 +9396,6 @@
               </a:p>
               <a:p>
                 <a:pPr algn="just"/>
-                <a:r>
-                  <a:rPr lang="ru-RU" sz="1400" dirty="0">
-                    <a:effectLst/>
-                    <a:latin typeface="Times New Roman" panose="02020603050405020304" pitchFamily="18" charset="0"/>
-                    <a:ea typeface="Calibri" panose="020F0502020204030204" pitchFamily="34" charset="0"/>
-                    <a:cs typeface="Times New Roman" panose="02020603050405020304" pitchFamily="18" charset="0"/>
-                  </a:rPr>
-                  <a:t>Координаты правого и левого тазобедренных суставов по оси X различается, а по осям </a:t>
-                </a:r>
-                <a:r>
-                  <a:rPr lang="en-US" sz="1400" dirty="0">
-                    <a:effectLst/>
-                    <a:latin typeface="Times New Roman" panose="02020603050405020304" pitchFamily="18" charset="0"/>
-                    <a:ea typeface="Calibri" panose="020F0502020204030204" pitchFamily="34" charset="0"/>
-                    <a:cs typeface="Times New Roman" panose="02020603050405020304" pitchFamily="18" charset="0"/>
-                  </a:rPr>
-                  <a:t>Y </a:t>
-                </a:r>
-                <a:r>
-                  <a:rPr lang="ru-RU" sz="1400" dirty="0">
-                    <a:effectLst/>
-                    <a:latin typeface="Times New Roman" panose="02020603050405020304" pitchFamily="18" charset="0"/>
-                    <a:ea typeface="Calibri" panose="020F0502020204030204" pitchFamily="34" charset="0"/>
-                    <a:cs typeface="Times New Roman" panose="02020603050405020304" pitchFamily="18" charset="0"/>
-                  </a:rPr>
-                  <a:t>и </a:t>
-                </a:r>
-                <a:r>
-                  <a:rPr lang="en-US" sz="1400" dirty="0">
-                    <a:effectLst/>
-                    <a:latin typeface="Times New Roman" panose="02020603050405020304" pitchFamily="18" charset="0"/>
-                    <a:ea typeface="Calibri" panose="020F0502020204030204" pitchFamily="34" charset="0"/>
-                    <a:cs typeface="Times New Roman" panose="02020603050405020304" pitchFamily="18" charset="0"/>
-                  </a:rPr>
-                  <a:t>Z </a:t>
-                </a:r>
-                <a:r>
-                  <a:rPr lang="ru-RU" sz="1400" dirty="0">
-                    <a:effectLst/>
-                    <a:latin typeface="Times New Roman" panose="02020603050405020304" pitchFamily="18" charset="0"/>
-                    <a:ea typeface="Calibri" panose="020F0502020204030204" pitchFamily="34" charset="0"/>
-                    <a:cs typeface="Times New Roman" panose="02020603050405020304" pitchFamily="18" charset="0"/>
-                  </a:rPr>
-                  <a:t>вычисляется одинаково:</a:t>
-                </a:r>
-              </a:p>
-              <a:p>
-                <a:pPr marL="457200" indent="450215" algn="just">
-                  <a:lnSpc>
-                    <a:spcPct val="115000"/>
-                  </a:lnSpc>
-                </a:pPr>
-                <a14:m>
-                  <m:oMathPara xmlns:m="http://schemas.openxmlformats.org/officeDocument/2006/math">
-                    <m:oMathParaPr>
-                      <m:jc m:val="center"/>
-                    </m:oMathParaPr>
-                    <m:oMath xmlns:m="http://schemas.openxmlformats.org/officeDocument/2006/math">
-                      <m:eqArr>
-                        <m:eqArrPr>
-                          <m:ctrlPr>
-                            <a:rPr lang="ru-RU" sz="1400" i="1">
-                              <a:effectLst/>
-                              <a:latin typeface="Cambria Math" panose="02040503050406030204" pitchFamily="18" charset="0"/>
-                              <a:ea typeface="Calibri" panose="020F0502020204030204" pitchFamily="34" charset="0"/>
-                              <a:cs typeface="Times New Roman" panose="02020603050405020304" pitchFamily="18" charset="0"/>
-                            </a:rPr>
-                          </m:ctrlPr>
-                        </m:eqArrPr>
-                        <m:e>
-                          <m:sSub>
-                            <m:sSubPr>
-                              <m:ctrlPr>
-                                <a:rPr lang="ru-RU" sz="1400" i="1">
-                                  <a:effectLst/>
-                                  <a:latin typeface="Cambria Math" panose="02040503050406030204" pitchFamily="18" charset="0"/>
-                                  <a:ea typeface="Calibri" panose="020F0502020204030204" pitchFamily="34" charset="0"/>
-                                  <a:cs typeface="Times New Roman" panose="02020603050405020304" pitchFamily="18" charset="0"/>
-                                </a:rPr>
-                              </m:ctrlPr>
-                            </m:sSubPr>
-                            <m:e>
-                              <m:r>
-                                <m:rPr>
-                                  <m:sty m:val="p"/>
-                                </m:rPr>
-                                <a:rPr lang="en-US" sz="1400">
-                                  <a:effectLst/>
-                                  <a:latin typeface="Cambria Math" panose="02040503050406030204" pitchFamily="18" charset="0"/>
-                                  <a:ea typeface="Calibri" panose="020F0502020204030204" pitchFamily="34" charset="0"/>
-                                  <a:cs typeface="Times New Roman" panose="02020603050405020304" pitchFamily="18" charset="0"/>
-                                </a:rPr>
-                                <m:t>X</m:t>
-                              </m:r>
-                            </m:e>
-                            <m:sub>
-                              <m:r>
-                                <a:rPr lang="ru-RU" sz="1400" i="1">
-                                  <a:effectLst/>
-                                  <a:latin typeface="Cambria Math" panose="02040503050406030204" pitchFamily="18" charset="0"/>
-                                  <a:ea typeface="Calibri" panose="020F0502020204030204" pitchFamily="34" charset="0"/>
-                                  <a:cs typeface="Times New Roman" panose="02020603050405020304" pitchFamily="18" charset="0"/>
-                                </a:rPr>
-                                <m:t>пбедра</m:t>
-                              </m:r>
-                            </m:sub>
-                          </m:sSub>
-                          <m:sSub>
-                            <m:sSubPr>
-                              <m:ctrlPr>
-                                <a:rPr lang="ru-RU" sz="1400" i="1">
-                                  <a:effectLst/>
-                                  <a:latin typeface="Cambria Math" panose="02040503050406030204" pitchFamily="18" charset="0"/>
-                                  <a:ea typeface="Calibri" panose="020F0502020204030204" pitchFamily="34" charset="0"/>
-                                  <a:cs typeface="Times New Roman" panose="02020603050405020304" pitchFamily="18" charset="0"/>
-                                </a:rPr>
-                              </m:ctrlPr>
-                            </m:sSubPr>
-                            <m:e>
-                              <m:r>
-                                <a:rPr lang="ru-RU" sz="1400" b="0" i="0" smtClean="0">
-                                  <a:effectLst/>
-                                  <a:latin typeface="Cambria Math" panose="02040503050406030204" pitchFamily="18" charset="0"/>
-                                  <a:ea typeface="Calibri" panose="020F0502020204030204" pitchFamily="34" charset="0"/>
-                                  <a:cs typeface="Times New Roman" panose="02020603050405020304" pitchFamily="18" charset="0"/>
-                                </a:rPr>
-                                <m:t>=</m:t>
-                              </m:r>
-                              <m:r>
-                                <m:rPr>
-                                  <m:sty m:val="p"/>
-                                </m:rPr>
-                                <a:rPr lang="en-US" sz="1400">
-                                  <a:effectLst/>
-                                  <a:latin typeface="Cambria Math" panose="02040503050406030204" pitchFamily="18" charset="0"/>
-                                  <a:ea typeface="Calibri" panose="020F0502020204030204" pitchFamily="34" charset="0"/>
-                                  <a:cs typeface="Times New Roman" panose="02020603050405020304" pitchFamily="18" charset="0"/>
-                                </a:rPr>
-                                <m:t>X</m:t>
-                              </m:r>
-                            </m:e>
-                            <m:sub>
-                              <m:r>
-                                <a:rPr lang="ru-RU" sz="1400">
-                                  <a:effectLst/>
-                                  <a:latin typeface="Cambria Math" panose="02040503050406030204" pitchFamily="18" charset="0"/>
-                                  <a:ea typeface="Calibri" panose="020F0502020204030204" pitchFamily="34" charset="0"/>
-                                  <a:cs typeface="Times New Roman" panose="02020603050405020304" pitchFamily="18" charset="0"/>
-                                </a:rPr>
-                                <m:t>таза</m:t>
-                              </m:r>
-                            </m:sub>
-                          </m:sSub>
-                          <m:r>
-                            <a:rPr lang="ru-RU" sz="1400" i="1">
-                              <a:effectLst/>
-                              <a:latin typeface="Cambria Math" panose="02040503050406030204" pitchFamily="18" charset="0"/>
-                              <a:ea typeface="Calibri" panose="020F0502020204030204" pitchFamily="34" charset="0"/>
-                              <a:cs typeface="Times New Roman" panose="02020603050405020304" pitchFamily="18" charset="0"/>
-                            </a:rPr>
-                            <m:t>+</m:t>
-                          </m:r>
-                          <m:sSub>
-                            <m:sSubPr>
-                              <m:ctrlPr>
-                                <a:rPr lang="ru-RU" sz="1400" i="1">
-                                  <a:effectLst/>
-                                  <a:latin typeface="Cambria Math" panose="02040503050406030204" pitchFamily="18" charset="0"/>
-                                  <a:ea typeface="Calibri" panose="020F0502020204030204" pitchFamily="34" charset="0"/>
-                                  <a:cs typeface="Times New Roman" panose="02020603050405020304" pitchFamily="18" charset="0"/>
-                                </a:rPr>
-                              </m:ctrlPr>
-                            </m:sSubPr>
-                            <m:e>
-                              <m:r>
-                                <a:rPr lang="en-US" sz="1400" i="1">
-                                  <a:effectLst/>
-                                  <a:latin typeface="Cambria Math" panose="02040503050406030204" pitchFamily="18" charset="0"/>
-                                  <a:ea typeface="Calibri" panose="020F0502020204030204" pitchFamily="34" charset="0"/>
-                                  <a:cs typeface="Times New Roman" panose="02020603050405020304" pitchFamily="18" charset="0"/>
-                                </a:rPr>
-                                <m:t>𝐿</m:t>
-                              </m:r>
-                            </m:e>
-                            <m:sub>
-                              <m:r>
-                                <a:rPr lang="ru-RU" sz="1400" i="1">
-                                  <a:effectLst/>
-                                  <a:latin typeface="Cambria Math" panose="02040503050406030204" pitchFamily="18" charset="0"/>
-                                  <a:ea typeface="Calibri" panose="020F0502020204030204" pitchFamily="34" charset="0"/>
-                                  <a:cs typeface="Times New Roman" panose="02020603050405020304" pitchFamily="18" charset="0"/>
-                                </a:rPr>
-                                <m:t>пчтаза</m:t>
-                              </m:r>
-                            </m:sub>
-                          </m:sSub>
-                          <m:r>
-                            <a:rPr lang="ru-RU" sz="1400" i="1">
-                              <a:effectLst/>
-                              <a:latin typeface="Cambria Math" panose="02040503050406030204" pitchFamily="18" charset="0"/>
-                              <a:ea typeface="Calibri" panose="020F0502020204030204" pitchFamily="34" charset="0"/>
-                              <a:cs typeface="Times New Roman" panose="02020603050405020304" pitchFamily="18" charset="0"/>
-                            </a:rPr>
-                            <m:t>∗</m:t>
-                          </m:r>
-                          <m:r>
-                            <a:rPr lang="en-US" sz="1400" i="1">
-                              <a:effectLst/>
-                              <a:latin typeface="Cambria Math" panose="02040503050406030204" pitchFamily="18" charset="0"/>
-                              <a:ea typeface="Calibri" panose="020F0502020204030204" pitchFamily="34" charset="0"/>
-                              <a:cs typeface="Times New Roman" panose="02020603050405020304" pitchFamily="18" charset="0"/>
-                            </a:rPr>
-                            <m:t>𝑠𝑖𝑛</m:t>
-                          </m:r>
-                          <m:r>
-                            <a:rPr lang="ru-RU" sz="1400" i="1">
-                              <a:effectLst/>
-                              <a:latin typeface="Cambria Math" panose="02040503050406030204" pitchFamily="18" charset="0"/>
-                              <a:ea typeface="Calibri" panose="020F0502020204030204" pitchFamily="34" charset="0"/>
-                              <a:cs typeface="Times New Roman" panose="02020603050405020304" pitchFamily="18" charset="0"/>
-                            </a:rPr>
-                            <m:t>(</m:t>
-                          </m:r>
-                          <m:sSub>
-                            <m:sSubPr>
-                              <m:ctrlPr>
-                                <a:rPr lang="ru-RU" sz="1400" i="1">
-                                  <a:effectLst/>
-                                  <a:latin typeface="Cambria Math" panose="02040503050406030204" pitchFamily="18" charset="0"/>
-                                  <a:ea typeface="Calibri" panose="020F0502020204030204" pitchFamily="34" charset="0"/>
-                                  <a:cs typeface="Times New Roman" panose="02020603050405020304" pitchFamily="18" charset="0"/>
-                                </a:rPr>
-                              </m:ctrlPr>
-                            </m:sSubPr>
-                            <m:e>
-                              <m:r>
-                                <m:rPr>
-                                  <m:sty m:val="p"/>
-                                </m:rPr>
-                                <a:rPr lang="ru-RU" sz="1400">
-                                  <a:effectLst/>
-                                  <a:latin typeface="Cambria Math" panose="02040503050406030204" pitchFamily="18" charset="0"/>
-                                  <a:ea typeface="Calibri" panose="020F0502020204030204" pitchFamily="34" charset="0"/>
-                                  <a:cs typeface="Times New Roman" panose="02020603050405020304" pitchFamily="18" charset="0"/>
-                                </a:rPr>
-                                <m:t>Θ</m:t>
-                              </m:r>
-                            </m:e>
-                            <m:sub>
-                              <m:r>
-                                <m:rPr>
-                                  <m:sty m:val="p"/>
-                                </m:rPr>
-                                <a:rPr lang="en-US" sz="1400">
-                                  <a:effectLst/>
-                                  <a:latin typeface="Cambria Math" panose="02040503050406030204" pitchFamily="18" charset="0"/>
-                                  <a:ea typeface="Calibri" panose="020F0502020204030204" pitchFamily="34" charset="0"/>
-                                  <a:cs typeface="Times New Roman" panose="02020603050405020304" pitchFamily="18" charset="0"/>
-                                </a:rPr>
-                                <m:t>x</m:t>
-                              </m:r>
-                              <m:r>
-                                <a:rPr lang="ru-RU" sz="1400">
-                                  <a:effectLst/>
-                                  <a:latin typeface="Cambria Math" panose="02040503050406030204" pitchFamily="18" charset="0"/>
-                                  <a:ea typeface="Calibri" panose="020F0502020204030204" pitchFamily="34" charset="0"/>
-                                  <a:cs typeface="Times New Roman" panose="02020603050405020304" pitchFamily="18" charset="0"/>
-                                </a:rPr>
-                                <m:t>таза</m:t>
-                              </m:r>
-                            </m:sub>
-                          </m:sSub>
-                          <m:r>
-                            <a:rPr lang="ru-RU" sz="1400" i="1">
-                              <a:effectLst/>
-                              <a:latin typeface="Cambria Math" panose="02040503050406030204" pitchFamily="18" charset="0"/>
-                              <a:ea typeface="Calibri" panose="020F0502020204030204" pitchFamily="34" charset="0"/>
-                              <a:cs typeface="Times New Roman" panose="02020603050405020304" pitchFamily="18" charset="0"/>
-                            </a:rPr>
-                            <m:t>)</m:t>
-                          </m:r>
-                        </m:e>
-                        <m:e>
-                          <m:sSub>
-                            <m:sSubPr>
-                              <m:ctrlPr>
-                                <a:rPr lang="ru-RU" sz="1400" i="1">
-                                  <a:effectLst/>
-                                  <a:latin typeface="Cambria Math" panose="02040503050406030204" pitchFamily="18" charset="0"/>
-                                  <a:ea typeface="Calibri" panose="020F0502020204030204" pitchFamily="34" charset="0"/>
-                                  <a:cs typeface="Times New Roman" panose="02020603050405020304" pitchFamily="18" charset="0"/>
-                                </a:rPr>
-                              </m:ctrlPr>
-                            </m:sSubPr>
-                            <m:e>
-                              <m:r>
-                                <m:rPr>
-                                  <m:sty m:val="p"/>
-                                </m:rPr>
-                                <a:rPr lang="en-US" sz="1400">
-                                  <a:effectLst/>
-                                  <a:latin typeface="Cambria Math" panose="02040503050406030204" pitchFamily="18" charset="0"/>
-                                  <a:ea typeface="Calibri" panose="020F0502020204030204" pitchFamily="34" charset="0"/>
-                                  <a:cs typeface="Times New Roman" panose="02020603050405020304" pitchFamily="18" charset="0"/>
-                                </a:rPr>
-                                <m:t>X</m:t>
-                              </m:r>
-                            </m:e>
-                            <m:sub>
-                              <m:r>
-                                <a:rPr lang="ru-RU" sz="1400" i="1">
-                                  <a:effectLst/>
-                                  <a:latin typeface="Cambria Math" panose="02040503050406030204" pitchFamily="18" charset="0"/>
-                                  <a:ea typeface="Calibri" panose="020F0502020204030204" pitchFamily="34" charset="0"/>
-                                  <a:cs typeface="Times New Roman" panose="02020603050405020304" pitchFamily="18" charset="0"/>
-                                </a:rPr>
-                                <m:t>лбедра</m:t>
-                              </m:r>
-                            </m:sub>
-                          </m:sSub>
-                          <m:sSub>
-                            <m:sSubPr>
-                              <m:ctrlPr>
-                                <a:rPr lang="ru-RU" sz="1400" i="1">
-                                  <a:effectLst/>
-                                  <a:latin typeface="Cambria Math" panose="02040503050406030204" pitchFamily="18" charset="0"/>
-                                  <a:ea typeface="Calibri" panose="020F0502020204030204" pitchFamily="34" charset="0"/>
-                                  <a:cs typeface="Times New Roman" panose="02020603050405020304" pitchFamily="18" charset="0"/>
-                                </a:rPr>
-                              </m:ctrlPr>
-                            </m:sSubPr>
-                            <m:e>
-                              <m:r>
-                                <a:rPr lang="ru-RU" sz="1400" b="0" i="0" smtClean="0">
-                                  <a:effectLst/>
-                                  <a:latin typeface="Cambria Math" panose="02040503050406030204" pitchFamily="18" charset="0"/>
-                                  <a:ea typeface="Calibri" panose="020F0502020204030204" pitchFamily="34" charset="0"/>
-                                  <a:cs typeface="Times New Roman" panose="02020603050405020304" pitchFamily="18" charset="0"/>
-                                </a:rPr>
-                                <m:t>=</m:t>
-                              </m:r>
-                              <m:r>
-                                <m:rPr>
-                                  <m:sty m:val="p"/>
-                                </m:rPr>
-                                <a:rPr lang="en-US" sz="1400">
-                                  <a:effectLst/>
-                                  <a:latin typeface="Cambria Math" panose="02040503050406030204" pitchFamily="18" charset="0"/>
-                                  <a:ea typeface="Calibri" panose="020F0502020204030204" pitchFamily="34" charset="0"/>
-                                  <a:cs typeface="Times New Roman" panose="02020603050405020304" pitchFamily="18" charset="0"/>
-                                </a:rPr>
-                                <m:t>X</m:t>
-                              </m:r>
-                            </m:e>
-                            <m:sub>
-                              <m:r>
-                                <a:rPr lang="ru-RU" sz="1400">
-                                  <a:effectLst/>
-                                  <a:latin typeface="Cambria Math" panose="02040503050406030204" pitchFamily="18" charset="0"/>
-                                  <a:ea typeface="Calibri" panose="020F0502020204030204" pitchFamily="34" charset="0"/>
-                                  <a:cs typeface="Times New Roman" panose="02020603050405020304" pitchFamily="18" charset="0"/>
-                                </a:rPr>
-                                <m:t>таза</m:t>
-                              </m:r>
-                            </m:sub>
-                          </m:sSub>
-                          <m:r>
-                            <a:rPr lang="ru-RU" sz="1400" i="1">
-                              <a:effectLst/>
-                              <a:latin typeface="Cambria Math" panose="02040503050406030204" pitchFamily="18" charset="0"/>
-                              <a:ea typeface="Calibri" panose="020F0502020204030204" pitchFamily="34" charset="0"/>
-                              <a:cs typeface="Times New Roman" panose="02020603050405020304" pitchFamily="18" charset="0"/>
-                            </a:rPr>
-                            <m:t>+</m:t>
-                          </m:r>
-                          <m:sSub>
-                            <m:sSubPr>
-                              <m:ctrlPr>
-                                <a:rPr lang="ru-RU" sz="1400" i="1">
-                                  <a:effectLst/>
-                                  <a:latin typeface="Cambria Math" panose="02040503050406030204" pitchFamily="18" charset="0"/>
-                                  <a:ea typeface="Calibri" panose="020F0502020204030204" pitchFamily="34" charset="0"/>
-                                  <a:cs typeface="Times New Roman" panose="02020603050405020304" pitchFamily="18" charset="0"/>
-                                </a:rPr>
-                              </m:ctrlPr>
-                            </m:sSubPr>
-                            <m:e>
-                              <m:r>
-                                <a:rPr lang="en-US" sz="1400" i="1">
-                                  <a:effectLst/>
-                                  <a:latin typeface="Cambria Math" panose="02040503050406030204" pitchFamily="18" charset="0"/>
-                                  <a:ea typeface="Calibri" panose="020F0502020204030204" pitchFamily="34" charset="0"/>
-                                  <a:cs typeface="Times New Roman" panose="02020603050405020304" pitchFamily="18" charset="0"/>
-                                </a:rPr>
-                                <m:t>𝐿</m:t>
-                              </m:r>
-                            </m:e>
-                            <m:sub>
-                              <m:r>
-                                <a:rPr lang="ru-RU" sz="1400" i="1">
-                                  <a:effectLst/>
-                                  <a:latin typeface="Cambria Math" panose="02040503050406030204" pitchFamily="18" charset="0"/>
-                                  <a:ea typeface="Calibri" panose="020F0502020204030204" pitchFamily="34" charset="0"/>
-                                  <a:cs typeface="Times New Roman" panose="02020603050405020304" pitchFamily="18" charset="0"/>
-                                </a:rPr>
-                                <m:t>лчтаза</m:t>
-                              </m:r>
-                            </m:sub>
-                          </m:sSub>
-                          <m:r>
-                            <a:rPr lang="ru-RU" sz="1400" i="1">
-                              <a:effectLst/>
-                              <a:latin typeface="Cambria Math" panose="02040503050406030204" pitchFamily="18" charset="0"/>
-                              <a:ea typeface="Calibri" panose="020F0502020204030204" pitchFamily="34" charset="0"/>
-                              <a:cs typeface="Times New Roman" panose="02020603050405020304" pitchFamily="18" charset="0"/>
-                            </a:rPr>
-                            <m:t>∗</m:t>
-                          </m:r>
-                          <m:r>
-                            <a:rPr lang="en-US" sz="1400" i="1">
-                              <a:effectLst/>
-                              <a:latin typeface="Cambria Math" panose="02040503050406030204" pitchFamily="18" charset="0"/>
-                              <a:ea typeface="Calibri" panose="020F0502020204030204" pitchFamily="34" charset="0"/>
-                              <a:cs typeface="Times New Roman" panose="02020603050405020304" pitchFamily="18" charset="0"/>
-                            </a:rPr>
-                            <m:t>𝑠𝑖𝑛</m:t>
-                          </m:r>
-                          <m:d>
-                            <m:dPr>
-                              <m:ctrlPr>
-                                <a:rPr lang="ru-RU" sz="1400" i="1">
-                                  <a:effectLst/>
-                                  <a:latin typeface="Cambria Math" panose="02040503050406030204" pitchFamily="18" charset="0"/>
-                                  <a:ea typeface="Calibri" panose="020F0502020204030204" pitchFamily="34" charset="0"/>
-                                  <a:cs typeface="Times New Roman" panose="02020603050405020304" pitchFamily="18" charset="0"/>
-                                </a:rPr>
-                              </m:ctrlPr>
-                            </m:dPr>
-                            <m:e>
-                              <m:sSub>
-                                <m:sSubPr>
-                                  <m:ctrlPr>
-                                    <a:rPr lang="ru-RU" sz="1400" i="1">
-                                      <a:effectLst/>
-                                      <a:latin typeface="Cambria Math" panose="02040503050406030204" pitchFamily="18" charset="0"/>
-                                      <a:ea typeface="Calibri" panose="020F0502020204030204" pitchFamily="34" charset="0"/>
-                                      <a:cs typeface="Times New Roman" panose="02020603050405020304" pitchFamily="18" charset="0"/>
-                                    </a:rPr>
-                                  </m:ctrlPr>
-                                </m:sSubPr>
-                                <m:e>
-                                  <m:r>
-                                    <m:rPr>
-                                      <m:sty m:val="p"/>
-                                    </m:rPr>
-                                    <a:rPr lang="ru-RU" sz="1400">
-                                      <a:effectLst/>
-                                      <a:latin typeface="Cambria Math" panose="02040503050406030204" pitchFamily="18" charset="0"/>
-                                      <a:ea typeface="Calibri" panose="020F0502020204030204" pitchFamily="34" charset="0"/>
-                                      <a:cs typeface="Times New Roman" panose="02020603050405020304" pitchFamily="18" charset="0"/>
-                                    </a:rPr>
-                                    <m:t>Θ</m:t>
-                                  </m:r>
-                                </m:e>
-                                <m:sub>
-                                  <m:r>
-                                    <m:rPr>
-                                      <m:sty m:val="p"/>
-                                    </m:rPr>
-                                    <a:rPr lang="en-US" sz="1400">
-                                      <a:effectLst/>
-                                      <a:latin typeface="Cambria Math" panose="02040503050406030204" pitchFamily="18" charset="0"/>
-                                      <a:ea typeface="Calibri" panose="020F0502020204030204" pitchFamily="34" charset="0"/>
-                                      <a:cs typeface="Times New Roman" panose="02020603050405020304" pitchFamily="18" charset="0"/>
-                                    </a:rPr>
-                                    <m:t>x</m:t>
-                                  </m:r>
-                                  <m:r>
-                                    <a:rPr lang="ru-RU" sz="1400">
-                                      <a:effectLst/>
-                                      <a:latin typeface="Cambria Math" panose="02040503050406030204" pitchFamily="18" charset="0"/>
-                                      <a:ea typeface="Calibri" panose="020F0502020204030204" pitchFamily="34" charset="0"/>
-                                      <a:cs typeface="Times New Roman" panose="02020603050405020304" pitchFamily="18" charset="0"/>
-                                    </a:rPr>
-                                    <m:t>таза</m:t>
-                                  </m:r>
-                                </m:sub>
-                              </m:sSub>
-                            </m:e>
-                          </m:d>
-                          <m:r>
-                            <a:rPr lang="ru-RU" sz="1400" i="1">
-                              <a:effectLst/>
-                              <a:latin typeface="Cambria Math" panose="02040503050406030204" pitchFamily="18" charset="0"/>
-                              <a:ea typeface="Calibri" panose="020F0502020204030204" pitchFamily="34" charset="0"/>
-                              <a:cs typeface="Times New Roman" panose="02020603050405020304" pitchFamily="18" charset="0"/>
-                            </a:rPr>
-                            <m:t>,</m:t>
-                          </m:r>
-                        </m:e>
-                        <m:e>
-                          <m:sSub>
-                            <m:sSubPr>
-                              <m:ctrlPr>
-                                <a:rPr lang="ru-RU" sz="1400" i="1">
-                                  <a:effectLst/>
-                                  <a:latin typeface="Cambria Math" panose="02040503050406030204" pitchFamily="18" charset="0"/>
-                                  <a:ea typeface="Calibri" panose="020F0502020204030204" pitchFamily="34" charset="0"/>
-                                  <a:cs typeface="Times New Roman" panose="02020603050405020304" pitchFamily="18" charset="0"/>
-                                </a:rPr>
-                              </m:ctrlPr>
-                            </m:sSubPr>
-                            <m:e>
-                              <m:r>
-                                <a:rPr lang="en-US" sz="1400" i="1">
-                                  <a:effectLst/>
-                                  <a:latin typeface="Cambria Math" panose="02040503050406030204" pitchFamily="18" charset="0"/>
-                                  <a:ea typeface="Calibri" panose="020F0502020204030204" pitchFamily="34" charset="0"/>
-                                  <a:cs typeface="Times New Roman" panose="02020603050405020304" pitchFamily="18" charset="0"/>
-                                </a:rPr>
-                                <m:t>𝑌</m:t>
-                              </m:r>
-                            </m:e>
-                            <m:sub>
-                              <m:r>
-                                <a:rPr lang="ru-RU" sz="1400" i="1">
-                                  <a:effectLst/>
-                                  <a:latin typeface="Cambria Math" panose="02040503050406030204" pitchFamily="18" charset="0"/>
-                                  <a:ea typeface="Calibri" panose="020F0502020204030204" pitchFamily="34" charset="0"/>
-                                  <a:cs typeface="Times New Roman" panose="02020603050405020304" pitchFamily="18" charset="0"/>
-                                </a:rPr>
-                                <m:t>бедра</m:t>
-                              </m:r>
-                            </m:sub>
-                          </m:sSub>
-                          <m:r>
-                            <m:rPr>
-                              <m:nor/>
-                            </m:rPr>
-                            <a:rPr lang="ru-RU" sz="1400">
-                              <a:effectLst/>
-                              <a:latin typeface="Times New Roman" panose="02020603050405020304" pitchFamily="18" charset="0"/>
-                              <a:ea typeface="Calibri" panose="020F0502020204030204" pitchFamily="34" charset="0"/>
-                              <a:cs typeface="Times New Roman" panose="02020603050405020304" pitchFamily="18" charset="0"/>
-                            </a:rPr>
-                            <m:t>=</m:t>
-                          </m:r>
-                          <m:r>
-                            <m:rPr>
-                              <m:nor/>
-                            </m:rPr>
-                            <a:rPr lang="ru-RU" sz="1400">
-                              <a:effectLst/>
-                              <a:latin typeface="Cambria Math" panose="02040503050406030204" pitchFamily="18" charset="0"/>
-                              <a:ea typeface="Calibri" panose="020F0502020204030204" pitchFamily="34" charset="0"/>
-                              <a:cs typeface="Times New Roman" panose="02020603050405020304" pitchFamily="18" charset="0"/>
-                            </a:rPr>
-                            <m:t> </m:t>
-                          </m:r>
-                          <m:sSub>
-                            <m:sSubPr>
-                              <m:ctrlPr>
-                                <a:rPr lang="ru-RU" sz="1400" i="1">
-                                  <a:effectLst/>
-                                  <a:latin typeface="Cambria Math" panose="02040503050406030204" pitchFamily="18" charset="0"/>
-                                  <a:ea typeface="Calibri" panose="020F0502020204030204" pitchFamily="34" charset="0"/>
-                                  <a:cs typeface="Times New Roman" panose="02020603050405020304" pitchFamily="18" charset="0"/>
-                                </a:rPr>
-                              </m:ctrlPr>
-                            </m:sSubPr>
-                            <m:e>
-                              <m:r>
-                                <m:rPr>
-                                  <m:sty m:val="p"/>
-                                </m:rPr>
-                                <a:rPr lang="en-US" sz="1400">
-                                  <a:effectLst/>
-                                  <a:latin typeface="Cambria Math" panose="02040503050406030204" pitchFamily="18" charset="0"/>
-                                  <a:ea typeface="Calibri" panose="020F0502020204030204" pitchFamily="34" charset="0"/>
-                                  <a:cs typeface="Times New Roman" panose="02020603050405020304" pitchFamily="18" charset="0"/>
-                                </a:rPr>
-                                <m:t>Y</m:t>
-                              </m:r>
-                            </m:e>
-                            <m:sub>
-                              <m:r>
-                                <a:rPr lang="ru-RU" sz="1400">
-                                  <a:effectLst/>
-                                  <a:latin typeface="Cambria Math" panose="02040503050406030204" pitchFamily="18" charset="0"/>
-                                  <a:ea typeface="Calibri" panose="020F0502020204030204" pitchFamily="34" charset="0"/>
-                                  <a:cs typeface="Times New Roman" panose="02020603050405020304" pitchFamily="18" charset="0"/>
-                                </a:rPr>
-                                <m:t>таза</m:t>
-                              </m:r>
-                            </m:sub>
-                          </m:sSub>
-                          <m:r>
-                            <a:rPr lang="ru-RU" sz="1400" i="1">
-                              <a:effectLst/>
-                              <a:latin typeface="Cambria Math" panose="02040503050406030204" pitchFamily="18" charset="0"/>
-                              <a:ea typeface="Calibri" panose="020F0502020204030204" pitchFamily="34" charset="0"/>
-                              <a:cs typeface="Times New Roman" panose="02020603050405020304" pitchFamily="18" charset="0"/>
-                            </a:rPr>
-                            <m:t>,</m:t>
-                          </m:r>
-                        </m:e>
-                        <m:e>
-                          <m:sSub>
-                            <m:sSubPr>
-                              <m:ctrlPr>
-                                <a:rPr lang="ru-RU" sz="1400" i="1">
-                                  <a:effectLst/>
-                                  <a:latin typeface="Cambria Math" panose="02040503050406030204" pitchFamily="18" charset="0"/>
-                                  <a:ea typeface="Calibri" panose="020F0502020204030204" pitchFamily="34" charset="0"/>
-                                  <a:cs typeface="Times New Roman" panose="02020603050405020304" pitchFamily="18" charset="0"/>
-                                </a:rPr>
-                              </m:ctrlPr>
-                            </m:sSubPr>
-                            <m:e>
-                              <m:r>
-                                <a:rPr lang="en-US" sz="1400" i="1">
-                                  <a:effectLst/>
-                                  <a:latin typeface="Cambria Math" panose="02040503050406030204" pitchFamily="18" charset="0"/>
-                                  <a:ea typeface="Calibri" panose="020F0502020204030204" pitchFamily="34" charset="0"/>
-                                  <a:cs typeface="Times New Roman" panose="02020603050405020304" pitchFamily="18" charset="0"/>
-                                </a:rPr>
-                                <m:t>𝑍</m:t>
-                              </m:r>
-                            </m:e>
-                            <m:sub>
-                              <m:r>
-                                <a:rPr lang="ru-RU" sz="1400" i="1">
-                                  <a:effectLst/>
-                                  <a:latin typeface="Cambria Math" panose="02040503050406030204" pitchFamily="18" charset="0"/>
-                                  <a:ea typeface="Calibri" panose="020F0502020204030204" pitchFamily="34" charset="0"/>
-                                  <a:cs typeface="Times New Roman" panose="02020603050405020304" pitchFamily="18" charset="0"/>
-                                </a:rPr>
-                                <m:t>бедра</m:t>
-                              </m:r>
-                            </m:sub>
-                          </m:sSub>
-                          <m:sSub>
-                            <m:sSubPr>
-                              <m:ctrlPr>
-                                <a:rPr lang="ru-RU" sz="1400" i="1">
-                                  <a:effectLst/>
-                                  <a:latin typeface="Cambria Math" panose="02040503050406030204" pitchFamily="18" charset="0"/>
-                                  <a:ea typeface="Calibri" panose="020F0502020204030204" pitchFamily="34" charset="0"/>
-                                  <a:cs typeface="Times New Roman" panose="02020603050405020304" pitchFamily="18" charset="0"/>
-                                </a:rPr>
-                              </m:ctrlPr>
-                            </m:sSubPr>
-                            <m:e>
-                              <m:r>
-                                <a:rPr lang="ru-RU" sz="1400" b="0" i="0" smtClean="0">
-                                  <a:effectLst/>
-                                  <a:latin typeface="Cambria Math" panose="02040503050406030204" pitchFamily="18" charset="0"/>
-                                  <a:ea typeface="Calibri" panose="020F0502020204030204" pitchFamily="34" charset="0"/>
-                                  <a:cs typeface="Times New Roman" panose="02020603050405020304" pitchFamily="18" charset="0"/>
-                                </a:rPr>
-                                <m:t>=</m:t>
-                              </m:r>
-                              <m:r>
-                                <m:rPr>
-                                  <m:sty m:val="p"/>
-                                </m:rPr>
-                                <a:rPr lang="en-US" sz="1400">
-                                  <a:effectLst/>
-                                  <a:latin typeface="Cambria Math" panose="02040503050406030204" pitchFamily="18" charset="0"/>
-                                  <a:ea typeface="Calibri" panose="020F0502020204030204" pitchFamily="34" charset="0"/>
-                                  <a:cs typeface="Times New Roman" panose="02020603050405020304" pitchFamily="18" charset="0"/>
-                                </a:rPr>
-                                <m:t>Z</m:t>
-                              </m:r>
-                            </m:e>
-                            <m:sub>
-                              <m:r>
-                                <a:rPr lang="ru-RU" sz="1400">
-                                  <a:effectLst/>
-                                  <a:latin typeface="Cambria Math" panose="02040503050406030204" pitchFamily="18" charset="0"/>
-                                  <a:ea typeface="Calibri" panose="020F0502020204030204" pitchFamily="34" charset="0"/>
-                                  <a:cs typeface="Times New Roman" panose="02020603050405020304" pitchFamily="18" charset="0"/>
-                                </a:rPr>
-                                <m:t>таза</m:t>
-                              </m:r>
-                            </m:sub>
-                          </m:sSub>
-                          <m:r>
-                            <a:rPr lang="ru-RU" sz="1400" i="1">
-                              <a:effectLst/>
-                              <a:latin typeface="Cambria Math" panose="02040503050406030204" pitchFamily="18" charset="0"/>
-                              <a:ea typeface="Calibri" panose="020F0502020204030204" pitchFamily="34" charset="0"/>
-                              <a:cs typeface="Times New Roman" panose="02020603050405020304" pitchFamily="18" charset="0"/>
-                            </a:rPr>
-                            <m:t>−</m:t>
-                          </m:r>
-                          <m:sSub>
-                            <m:sSubPr>
-                              <m:ctrlPr>
-                                <a:rPr lang="ru-RU" sz="1400" i="1">
-                                  <a:effectLst/>
-                                  <a:latin typeface="Cambria Math" panose="02040503050406030204" pitchFamily="18" charset="0"/>
-                                  <a:ea typeface="Calibri" panose="020F0502020204030204" pitchFamily="34" charset="0"/>
-                                  <a:cs typeface="Times New Roman" panose="02020603050405020304" pitchFamily="18" charset="0"/>
-                                </a:rPr>
-                              </m:ctrlPr>
-                            </m:sSubPr>
-                            <m:e>
-                              <m:r>
-                                <a:rPr lang="en-US" sz="1400" i="1">
-                                  <a:effectLst/>
-                                  <a:latin typeface="Cambria Math" panose="02040503050406030204" pitchFamily="18" charset="0"/>
-                                  <a:ea typeface="Calibri" panose="020F0502020204030204" pitchFamily="34" charset="0"/>
-                                  <a:cs typeface="Times New Roman" panose="02020603050405020304" pitchFamily="18" charset="0"/>
-                                </a:rPr>
-                                <m:t>𝐿</m:t>
-                              </m:r>
-                            </m:e>
-                            <m:sub>
-                              <m:r>
-                                <a:rPr lang="ru-RU" sz="1400" i="1">
-                                  <a:effectLst/>
-                                  <a:latin typeface="Cambria Math" panose="02040503050406030204" pitchFamily="18" charset="0"/>
-                                  <a:ea typeface="Calibri" panose="020F0502020204030204" pitchFamily="34" charset="0"/>
-                                  <a:cs typeface="Times New Roman" panose="02020603050405020304" pitchFamily="18" charset="0"/>
-                                </a:rPr>
-                                <m:t>пчтаза</m:t>
-                              </m:r>
-                            </m:sub>
-                          </m:sSub>
-                          <m:r>
-                            <a:rPr lang="ru-RU" sz="1400" i="1">
-                              <a:effectLst/>
-                              <a:latin typeface="Cambria Math" panose="02040503050406030204" pitchFamily="18" charset="0"/>
-                              <a:ea typeface="Calibri" panose="020F0502020204030204" pitchFamily="34" charset="0"/>
-                              <a:cs typeface="Times New Roman" panose="02020603050405020304" pitchFamily="18" charset="0"/>
-                            </a:rPr>
-                            <m:t>∗</m:t>
-                          </m:r>
-                          <m:r>
-                            <a:rPr lang="en-US" sz="1400" i="1">
-                              <a:effectLst/>
-                              <a:latin typeface="Cambria Math" panose="02040503050406030204" pitchFamily="18" charset="0"/>
-                              <a:ea typeface="Calibri" panose="020F0502020204030204" pitchFamily="34" charset="0"/>
-                              <a:cs typeface="Times New Roman" panose="02020603050405020304" pitchFamily="18" charset="0"/>
-                            </a:rPr>
-                            <m:t>𝑐𝑜𝑠</m:t>
-                          </m:r>
-                          <m:d>
-                            <m:dPr>
-                              <m:ctrlPr>
-                                <a:rPr lang="ru-RU" sz="1400" i="1">
-                                  <a:effectLst/>
-                                  <a:latin typeface="Cambria Math" panose="02040503050406030204" pitchFamily="18" charset="0"/>
-                                  <a:ea typeface="Calibri" panose="020F0502020204030204" pitchFamily="34" charset="0"/>
-                                  <a:cs typeface="Times New Roman" panose="02020603050405020304" pitchFamily="18" charset="0"/>
-                                </a:rPr>
-                              </m:ctrlPr>
-                            </m:dPr>
-                            <m:e>
-                              <m:sSub>
-                                <m:sSubPr>
-                                  <m:ctrlPr>
-                                    <a:rPr lang="ru-RU" sz="1400" i="1">
-                                      <a:effectLst/>
-                                      <a:latin typeface="Cambria Math" panose="02040503050406030204" pitchFamily="18" charset="0"/>
-                                      <a:ea typeface="Calibri" panose="020F0502020204030204" pitchFamily="34" charset="0"/>
-                                      <a:cs typeface="Times New Roman" panose="02020603050405020304" pitchFamily="18" charset="0"/>
-                                    </a:rPr>
-                                  </m:ctrlPr>
-                                </m:sSubPr>
-                                <m:e>
-                                  <m:r>
-                                    <m:rPr>
-                                      <m:sty m:val="p"/>
-                                    </m:rPr>
-                                    <a:rPr lang="ru-RU" sz="1400">
-                                      <a:effectLst/>
-                                      <a:latin typeface="Cambria Math" panose="02040503050406030204" pitchFamily="18" charset="0"/>
-                                      <a:ea typeface="Calibri" panose="020F0502020204030204" pitchFamily="34" charset="0"/>
-                                      <a:cs typeface="Times New Roman" panose="02020603050405020304" pitchFamily="18" charset="0"/>
-                                    </a:rPr>
-                                    <m:t>Θ</m:t>
-                                  </m:r>
-                                </m:e>
-                                <m:sub>
-                                  <m:r>
-                                    <m:rPr>
-                                      <m:sty m:val="p"/>
-                                    </m:rPr>
-                                    <a:rPr lang="en-US" sz="1400">
-                                      <a:effectLst/>
-                                      <a:latin typeface="Cambria Math" panose="02040503050406030204" pitchFamily="18" charset="0"/>
-                                      <a:ea typeface="Calibri" panose="020F0502020204030204" pitchFamily="34" charset="0"/>
-                                      <a:cs typeface="Times New Roman" panose="02020603050405020304" pitchFamily="18" charset="0"/>
-                                    </a:rPr>
-                                    <m:t>x</m:t>
-                                  </m:r>
-                                  <m:r>
-                                    <a:rPr lang="ru-RU" sz="1400">
-                                      <a:effectLst/>
-                                      <a:latin typeface="Cambria Math" panose="02040503050406030204" pitchFamily="18" charset="0"/>
-                                      <a:ea typeface="Calibri" panose="020F0502020204030204" pitchFamily="34" charset="0"/>
-                                      <a:cs typeface="Times New Roman" panose="02020603050405020304" pitchFamily="18" charset="0"/>
-                                    </a:rPr>
-                                    <m:t>таза</m:t>
-                                  </m:r>
-                                </m:sub>
-                              </m:sSub>
-                            </m:e>
-                          </m:d>
-                          <m:r>
-                            <a:rPr lang="ru-RU" sz="1400" i="1">
-                              <a:effectLst/>
-                              <a:latin typeface="Cambria Math" panose="02040503050406030204" pitchFamily="18" charset="0"/>
-                              <a:ea typeface="Calibri" panose="020F0502020204030204" pitchFamily="34" charset="0"/>
-                              <a:cs typeface="Times New Roman" panose="02020603050405020304" pitchFamily="18" charset="0"/>
-                            </a:rPr>
-                            <m:t>.</m:t>
-                          </m:r>
-                        </m:e>
-                      </m:eqArr>
-                    </m:oMath>
-                  </m:oMathPara>
-                </a14:m>
                 <a:endParaRPr lang="ru-RU" sz="1400" dirty="0">
                   <a:latin typeface="Times New Roman" panose="02020603050405020304" pitchFamily="18" charset="0"/>
                   <a:ea typeface="Calibri" panose="020F0502020204030204" pitchFamily="34" charset="0"/>
@@ -10228,345 +9403,7 @@
                 </a:endParaRPr>
               </a:p>
               <a:p>
-                <a:pPr algn="just">
-                  <a:lnSpc>
-                    <a:spcPct val="115000"/>
-                  </a:lnSpc>
-                </a:pPr>
-                <a:r>
-                  <a:rPr lang="ru-RU" sz="1400" dirty="0">
-                    <a:latin typeface="Times New Roman" panose="02020603050405020304" pitchFamily="18" charset="0"/>
-                    <a:ea typeface="Calibri" panose="020F0502020204030204" pitchFamily="34" charset="0"/>
-                    <a:cs typeface="Times New Roman" panose="02020603050405020304" pitchFamily="18" charset="0"/>
-                  </a:rPr>
-                  <a:t>где</a:t>
-                </a:r>
-                <a14:m>
-                  <m:oMath xmlns:m="http://schemas.openxmlformats.org/officeDocument/2006/math">
-                    <m:sSub>
-                      <m:sSubPr>
-                        <m:ctrlPr>
-                          <a:rPr lang="ru-RU" sz="1400" i="1">
-                            <a:latin typeface="Cambria Math" panose="02040503050406030204" pitchFamily="18" charset="0"/>
-                            <a:ea typeface="Calibri" panose="020F0502020204030204" pitchFamily="34" charset="0"/>
-                            <a:cs typeface="Times New Roman" panose="02020603050405020304" pitchFamily="18" charset="0"/>
-                          </a:rPr>
-                        </m:ctrlPr>
-                      </m:sSubPr>
-                      <m:e>
-                        <m:r>
-                          <a:rPr lang="ru-RU" sz="1400" b="0" i="1" smtClean="0">
-                            <a:latin typeface="Cambria Math" panose="02040503050406030204" pitchFamily="18" charset="0"/>
-                            <a:ea typeface="Calibri" panose="020F0502020204030204" pitchFamily="34" charset="0"/>
-                            <a:cs typeface="Times New Roman" panose="02020603050405020304" pitchFamily="18" charset="0"/>
-                          </a:rPr>
-                          <m:t> </m:t>
-                        </m:r>
-                        <m:r>
-                          <a:rPr lang="en-US" sz="1400" i="1">
-                            <a:latin typeface="Cambria Math" panose="02040503050406030204" pitchFamily="18" charset="0"/>
-                            <a:ea typeface="Calibri" panose="020F0502020204030204" pitchFamily="34" charset="0"/>
-                            <a:cs typeface="Times New Roman" panose="02020603050405020304" pitchFamily="18" charset="0"/>
-                          </a:rPr>
-                          <m:t>𝐿</m:t>
-                        </m:r>
-                      </m:e>
-                      <m:sub>
-                        <m:r>
-                          <a:rPr lang="ru-RU" sz="1400" b="0" i="1" smtClean="0">
-                            <a:latin typeface="Cambria Math" panose="02040503050406030204" pitchFamily="18" charset="0"/>
-                            <a:ea typeface="Calibri" panose="020F0502020204030204" pitchFamily="34" charset="0"/>
-                            <a:cs typeface="Times New Roman" panose="02020603050405020304" pitchFamily="18" charset="0"/>
-                          </a:rPr>
-                          <m:t>п(л)</m:t>
-                        </m:r>
-                        <m:r>
-                          <a:rPr lang="ru-RU" sz="1400" i="1">
-                            <a:latin typeface="Cambria Math" panose="02040503050406030204" pitchFamily="18" charset="0"/>
-                            <a:ea typeface="Calibri" panose="020F0502020204030204" pitchFamily="34" charset="0"/>
-                            <a:cs typeface="Times New Roman" panose="02020603050405020304" pitchFamily="18" charset="0"/>
-                          </a:rPr>
-                          <m:t>чтаза</m:t>
-                        </m:r>
-                      </m:sub>
-                    </m:sSub>
-                  </m:oMath>
-                </a14:m>
-                <a:r>
-                  <a:rPr lang="en-US" sz="1400" dirty="0">
-                    <a:effectLst/>
-                    <a:latin typeface="Times New Roman" panose="02020603050405020304" pitchFamily="18" charset="0"/>
-                    <a:ea typeface="Calibri" panose="020F0502020204030204" pitchFamily="34" charset="0"/>
-                  </a:rPr>
-                  <a:t>-</a:t>
-                </a:r>
-                <a:r>
-                  <a:rPr lang="ru-RU" sz="1400" dirty="0">
-                    <a:effectLst/>
-                    <a:latin typeface="Times New Roman" panose="02020603050405020304" pitchFamily="18" charset="0"/>
-                    <a:ea typeface="Calibri" panose="020F0502020204030204" pitchFamily="34" charset="0"/>
-                  </a:rPr>
-                  <a:t> расстояние от сустава таза до правого(левого) тазобедренного сустава.</a:t>
-                </a:r>
-                <a:endParaRPr lang="ru-RU" sz="1400" dirty="0">
-                  <a:effectLst/>
-                  <a:latin typeface="Times New Roman" panose="02020603050405020304" pitchFamily="18" charset="0"/>
-                  <a:ea typeface="Calibri" panose="020F0502020204030204" pitchFamily="34" charset="0"/>
-                  <a:cs typeface="Times New Roman" panose="02020603050405020304" pitchFamily="18" charset="0"/>
-                </a:endParaRPr>
-              </a:p>
-              <a:p>
-                <a:pPr algn="just">
-                  <a:lnSpc>
-                    <a:spcPct val="115000"/>
-                  </a:lnSpc>
-                </a:pPr>
-                <a:r>
-                  <a:rPr lang="ru-RU" sz="1400" dirty="0">
-                    <a:effectLst/>
-                    <a:latin typeface="Times New Roman" panose="02020603050405020304" pitchFamily="18" charset="0"/>
-                    <a:ea typeface="Calibri" panose="020F0502020204030204" pitchFamily="34" charset="0"/>
-                    <a:cs typeface="Times New Roman" panose="02020603050405020304" pitchFamily="18" charset="0"/>
-                  </a:rPr>
-                  <a:t>Скорость и ускорение тазобедренных суставов совпадает со скоростью и ускорением таза по всем осям:</a:t>
-                </a:r>
-              </a:p>
-              <a:p>
-                <a:pPr marL="457200" indent="450215" algn="just">
-                  <a:lnSpc>
-                    <a:spcPct val="115000"/>
-                  </a:lnSpc>
-                </a:pPr>
-                <a14:m>
-                  <m:oMathPara xmlns:m="http://schemas.openxmlformats.org/officeDocument/2006/math">
-                    <m:oMathParaPr>
-                      <m:jc m:val="centerGroup"/>
-                    </m:oMathParaPr>
-                    <m:oMath xmlns:m="http://schemas.openxmlformats.org/officeDocument/2006/math">
-                      <m:eqArr>
-                        <m:eqArrPr>
-                          <m:ctrlPr>
-                            <a:rPr lang="ru-RU" sz="1400" i="1">
-                              <a:effectLst/>
-                              <a:latin typeface="Cambria Math" panose="02040503050406030204" pitchFamily="18" charset="0"/>
-                              <a:ea typeface="Calibri" panose="020F0502020204030204" pitchFamily="34" charset="0"/>
-                              <a:cs typeface="Times New Roman" panose="02020603050405020304" pitchFamily="18" charset="0"/>
-                            </a:rPr>
-                          </m:ctrlPr>
-                        </m:eqArrPr>
-                        <m:e>
-                          <m:sSub>
-                            <m:sSubPr>
-                              <m:ctrlPr>
-                                <a:rPr lang="ru-RU" sz="1400" i="1">
-                                  <a:effectLst/>
-                                  <a:latin typeface="Cambria Math" panose="02040503050406030204" pitchFamily="18" charset="0"/>
-                                  <a:ea typeface="Calibri" panose="020F0502020204030204" pitchFamily="34" charset="0"/>
-                                  <a:cs typeface="Times New Roman" panose="02020603050405020304" pitchFamily="18" charset="0"/>
-                                </a:rPr>
-                              </m:ctrlPr>
-                            </m:sSubPr>
-                            <m:e>
-                              <m:r>
-                                <m:rPr>
-                                  <m:sty m:val="p"/>
-                                </m:rPr>
-                                <a:rPr lang="en-US" sz="1400">
-                                  <a:effectLst/>
-                                  <a:latin typeface="Cambria Math" panose="02040503050406030204" pitchFamily="18" charset="0"/>
-                                  <a:ea typeface="Calibri" panose="020F0502020204030204" pitchFamily="34" charset="0"/>
-                                  <a:cs typeface="Times New Roman" panose="02020603050405020304" pitchFamily="18" charset="0"/>
-                                </a:rPr>
-                                <m:t>V</m:t>
-                              </m:r>
-                            </m:e>
-                            <m:sub>
-                              <m:r>
-                                <a:rPr lang="ru-RU" sz="1400">
-                                  <a:effectLst/>
-                                  <a:latin typeface="Cambria Math" panose="02040503050406030204" pitchFamily="18" charset="0"/>
-                                  <a:ea typeface="Calibri" panose="020F0502020204030204" pitchFamily="34" charset="0"/>
-                                  <a:cs typeface="Times New Roman" panose="02020603050405020304" pitchFamily="18" charset="0"/>
-                                </a:rPr>
-                                <m:t>бедра</m:t>
-                              </m:r>
-                            </m:sub>
-                          </m:sSub>
-                          <m:r>
-                            <a:rPr lang="ru-RU" sz="1400" i="1">
-                              <a:effectLst/>
-                              <a:latin typeface="Cambria Math" panose="02040503050406030204" pitchFamily="18" charset="0"/>
-                              <a:ea typeface="Calibri" panose="020F0502020204030204" pitchFamily="34" charset="0"/>
-                              <a:cs typeface="Times New Roman" panose="02020603050405020304" pitchFamily="18" charset="0"/>
-                            </a:rPr>
-                            <m:t>=</m:t>
-                          </m:r>
-                          <m:sSub>
-                            <m:sSubPr>
-                              <m:ctrlPr>
-                                <a:rPr lang="ru-RU" sz="1400" i="1">
-                                  <a:effectLst/>
-                                  <a:latin typeface="Cambria Math" panose="02040503050406030204" pitchFamily="18" charset="0"/>
-                                  <a:ea typeface="Calibri" panose="020F0502020204030204" pitchFamily="34" charset="0"/>
-                                  <a:cs typeface="Times New Roman" panose="02020603050405020304" pitchFamily="18" charset="0"/>
-                                </a:rPr>
-                              </m:ctrlPr>
-                            </m:sSubPr>
-                            <m:e>
-                              <m:r>
-                                <m:rPr>
-                                  <m:sty m:val="p"/>
-                                </m:rPr>
-                                <a:rPr lang="en-US" sz="1400">
-                                  <a:effectLst/>
-                                  <a:latin typeface="Cambria Math" panose="02040503050406030204" pitchFamily="18" charset="0"/>
-                                  <a:ea typeface="Calibri" panose="020F0502020204030204" pitchFamily="34" charset="0"/>
-                                  <a:cs typeface="Times New Roman" panose="02020603050405020304" pitchFamily="18" charset="0"/>
-                                </a:rPr>
-                                <m:t>V</m:t>
-                              </m:r>
-                            </m:e>
-                            <m:sub>
-                              <m:r>
-                                <a:rPr lang="ru-RU" sz="1400" i="1">
-                                  <a:effectLst/>
-                                  <a:latin typeface="Cambria Math" panose="02040503050406030204" pitchFamily="18" charset="0"/>
-                                  <a:ea typeface="Calibri" panose="020F0502020204030204" pitchFamily="34" charset="0"/>
-                                  <a:cs typeface="Times New Roman" panose="02020603050405020304" pitchFamily="18" charset="0"/>
-                                </a:rPr>
-                                <m:t>таза</m:t>
-                              </m:r>
-                            </m:sub>
-                          </m:sSub>
-                          <m:r>
-                            <a:rPr lang="en-US" sz="1400" i="1">
-                              <a:effectLst/>
-                              <a:latin typeface="Cambria Math" panose="02040503050406030204" pitchFamily="18" charset="0"/>
-                              <a:ea typeface="Calibri" panose="020F0502020204030204" pitchFamily="34" charset="0"/>
-                              <a:cs typeface="Times New Roman" panose="02020603050405020304" pitchFamily="18" charset="0"/>
-                            </a:rPr>
-                            <m:t> </m:t>
-                          </m:r>
-                          <m:r>
-                            <a:rPr lang="ru-RU" sz="1400" i="1">
-                              <a:effectLst/>
-                              <a:latin typeface="Cambria Math" panose="02040503050406030204" pitchFamily="18" charset="0"/>
-                              <a:ea typeface="Calibri" panose="020F0502020204030204" pitchFamily="34" charset="0"/>
-                              <a:cs typeface="Times New Roman" panose="02020603050405020304" pitchFamily="18" charset="0"/>
-                            </a:rPr>
-                            <m:t>,</m:t>
-                          </m:r>
-                        </m:e>
-                        <m:e>
-                          <m:sSub>
-                            <m:sSubPr>
-                              <m:ctrlPr>
-                                <a:rPr lang="ru-RU" sz="1400" i="1">
-                                  <a:effectLst/>
-                                  <a:latin typeface="Cambria Math" panose="02040503050406030204" pitchFamily="18" charset="0"/>
-                                  <a:ea typeface="Calibri" panose="020F0502020204030204" pitchFamily="34" charset="0"/>
-                                  <a:cs typeface="Times New Roman" panose="02020603050405020304" pitchFamily="18" charset="0"/>
-                                </a:rPr>
-                              </m:ctrlPr>
-                            </m:sSubPr>
-                            <m:e>
-                              <m:r>
-                                <m:rPr>
-                                  <m:sty m:val="p"/>
-                                </m:rPr>
-                                <a:rPr lang="en-US" sz="1400">
-                                  <a:effectLst/>
-                                  <a:latin typeface="Cambria Math" panose="02040503050406030204" pitchFamily="18" charset="0"/>
-                                  <a:ea typeface="Calibri" panose="020F0502020204030204" pitchFamily="34" charset="0"/>
-                                  <a:cs typeface="Times New Roman" panose="02020603050405020304" pitchFamily="18" charset="0"/>
-                                </a:rPr>
-                                <m:t>a</m:t>
-                              </m:r>
-                            </m:e>
-                            <m:sub>
-                              <m:r>
-                                <a:rPr lang="ru-RU" sz="1400" i="1">
-                                  <a:effectLst/>
-                                  <a:latin typeface="Cambria Math" panose="02040503050406030204" pitchFamily="18" charset="0"/>
-                                  <a:ea typeface="Calibri" panose="020F0502020204030204" pitchFamily="34" charset="0"/>
-                                  <a:cs typeface="Times New Roman" panose="02020603050405020304" pitchFamily="18" charset="0"/>
-                                </a:rPr>
-                                <m:t>бедра</m:t>
-                              </m:r>
-                            </m:sub>
-                          </m:sSub>
-                          <m:r>
-                            <a:rPr lang="ru-RU" sz="1400" i="1">
-                              <a:effectLst/>
-                              <a:latin typeface="Cambria Math" panose="02040503050406030204" pitchFamily="18" charset="0"/>
-                              <a:ea typeface="Calibri" panose="020F0502020204030204" pitchFamily="34" charset="0"/>
-                              <a:cs typeface="Times New Roman" panose="02020603050405020304" pitchFamily="18" charset="0"/>
-                            </a:rPr>
-                            <m:t>=</m:t>
-                          </m:r>
-                          <m:sSub>
-                            <m:sSubPr>
-                              <m:ctrlPr>
-                                <a:rPr lang="ru-RU" sz="1400" i="1">
-                                  <a:effectLst/>
-                                  <a:latin typeface="Cambria Math" panose="02040503050406030204" pitchFamily="18" charset="0"/>
-                                  <a:ea typeface="Calibri" panose="020F0502020204030204" pitchFamily="34" charset="0"/>
-                                  <a:cs typeface="Times New Roman" panose="02020603050405020304" pitchFamily="18" charset="0"/>
-                                </a:rPr>
-                              </m:ctrlPr>
-                            </m:sSubPr>
-                            <m:e>
-                              <m:r>
-                                <m:rPr>
-                                  <m:sty m:val="p"/>
-                                </m:rPr>
-                                <a:rPr lang="en-US" sz="1400">
-                                  <a:effectLst/>
-                                  <a:latin typeface="Cambria Math" panose="02040503050406030204" pitchFamily="18" charset="0"/>
-                                  <a:ea typeface="Calibri" panose="020F0502020204030204" pitchFamily="34" charset="0"/>
-                                  <a:cs typeface="Times New Roman" panose="02020603050405020304" pitchFamily="18" charset="0"/>
-                                </a:rPr>
-                                <m:t>a</m:t>
-                              </m:r>
-                            </m:e>
-                            <m:sub>
-                              <m:r>
-                                <a:rPr lang="en-US" sz="1400">
-                                  <a:effectLst/>
-                                  <a:latin typeface="Cambria Math" panose="02040503050406030204" pitchFamily="18" charset="0"/>
-                                  <a:ea typeface="Calibri" panose="020F0502020204030204" pitchFamily="34" charset="0"/>
-                                  <a:cs typeface="Times New Roman" panose="02020603050405020304" pitchFamily="18" charset="0"/>
-                                </a:rPr>
-                                <m:t>таза</m:t>
-                              </m:r>
-                            </m:sub>
-                          </m:sSub>
-                          <m:r>
-                            <a:rPr lang="ru-RU" sz="1400" i="1">
-                              <a:effectLst/>
-                              <a:latin typeface="Cambria Math" panose="02040503050406030204" pitchFamily="18" charset="0"/>
-                              <a:ea typeface="Calibri" panose="020F0502020204030204" pitchFamily="34" charset="0"/>
-                              <a:cs typeface="Times New Roman" panose="02020603050405020304" pitchFamily="18" charset="0"/>
-                            </a:rPr>
-                            <m:t>.</m:t>
-                          </m:r>
-                        </m:e>
-                      </m:eqArr>
-                    </m:oMath>
-                  </m:oMathPara>
-                </a14:m>
-                <a:endParaRPr lang="ru-RU" sz="1400" dirty="0">
-                  <a:latin typeface="Times New Roman" panose="02020603050405020304" pitchFamily="18" charset="0"/>
-                  <a:ea typeface="Calibri" panose="020F0502020204030204" pitchFamily="34" charset="0"/>
-                  <a:cs typeface="Times New Roman" panose="02020603050405020304" pitchFamily="18" charset="0"/>
-                </a:endParaRPr>
-              </a:p>
-              <a:p>
-                <a:pPr algn="just">
-                  <a:lnSpc>
-                    <a:spcPct val="115000"/>
-                  </a:lnSpc>
-                </a:pPr>
+                <a:pPr algn="just"/>
                 <a:r>
                   <a:rPr lang="ru-RU" sz="1400" dirty="0">
                     <a:effectLst/>
@@ -10579,9 +9416,6 @@
               </a:p>
               <a:p>
                 <a:pPr marL="457200" indent="450215" algn="just">
-                  <a:lnSpc>
-                    <a:spcPct val="115000"/>
-                  </a:lnSpc>
                   <a:spcAft>
                     <a:spcPts val="800"/>
                   </a:spcAft>
@@ -10619,13 +9453,13 @@
                         </m:e>
                         <m:sub>
                           <m:r>
-                            <a:rPr lang="ru-RU" sz="1400">
+                            <a:rPr lang="ru-RU" sz="1400" b="0" i="0" smtClean="0">
                               <a:effectLst/>
                               <a:latin typeface="Cambria Math" panose="02040503050406030204" pitchFamily="18" charset="0"/>
                               <a:ea typeface="Calibri" panose="020F0502020204030204" pitchFamily="34" charset="0"/>
                               <a:cs typeface="Times New Roman" panose="02020603050405020304" pitchFamily="18" charset="0"/>
                             </a:rPr>
-                            <m:t>бедра</m:t>
+                            <m:t>сустава</m:t>
                           </m:r>
                         </m:sub>
                       </m:sSub>
@@ -10700,13 +9534,13 @@
                         </m:e>
                         <m:sub>
                           <m:r>
-                            <a:rPr lang="ru-RU" sz="1400">
+                            <a:rPr lang="ru-RU" sz="1400" b="0" i="0" smtClean="0">
                               <a:effectLst/>
                               <a:latin typeface="Cambria Math" panose="02040503050406030204" pitchFamily="18" charset="0"/>
                               <a:ea typeface="Calibri" panose="020F0502020204030204" pitchFamily="34" charset="0"/>
                               <a:cs typeface="Times New Roman" panose="02020603050405020304" pitchFamily="18" charset="0"/>
                             </a:rPr>
-                            <m:t>бедра</m:t>
+                            <m:t>сустава</m:t>
                           </m:r>
                           <m:r>
                             <a:rPr lang="en-US" sz="1400">
@@ -10755,25 +9589,13 @@
                         </m:e>
                         <m:sub>
                           <m:r>
-                            <m:rPr>
-                              <m:sty m:val="p"/>
-                            </m:rPr>
-                            <a:rPr lang="en-US" sz="1400">
+                            <a:rPr lang="ru-RU" sz="1400" b="0" i="1" smtClean="0">
                               <a:effectLst/>
                               <a:latin typeface="Cambria Math" panose="02040503050406030204" pitchFamily="18" charset="0"/>
                               <a:ea typeface="Calibri" panose="020F0502020204030204" pitchFamily="34" charset="0"/>
                               <a:cs typeface="Times New Roman" panose="02020603050405020304" pitchFamily="18" charset="0"/>
                             </a:rPr>
-                            <m:t>x</m:t>
-                          </m:r>
-                          <m:r>
-                            <a:rPr lang="ru-RU" sz="1400">
-                              <a:effectLst/>
-                              <a:latin typeface="Cambria Math" panose="02040503050406030204" pitchFamily="18" charset="0"/>
-                              <a:ea typeface="Calibri" panose="020F0502020204030204" pitchFamily="34" charset="0"/>
-                              <a:cs typeface="Times New Roman" panose="02020603050405020304" pitchFamily="18" charset="0"/>
-                            </a:rPr>
-                            <m:t>бедра</m:t>
+                            <m:t>сустава</m:t>
                           </m:r>
                         </m:sub>
                       </m:sSub>
@@ -10797,14 +9619,2364 @@
                 </a:endParaRPr>
               </a:p>
               <a:p>
+                <a:pPr algn="just"/>
                 <a:r>
-                  <a:rPr lang="en-US" sz="1800" dirty="0">
+                  <a:rPr lang="en-US" sz="1400" dirty="0">
                     <a:effectLst/>
                     <a:latin typeface="Times New Roman" panose="02020603050405020304" pitchFamily="18" charset="0"/>
                     <a:ea typeface="Calibri" panose="020F0502020204030204" pitchFamily="34" charset="0"/>
                   </a:rPr>
                   <a:t> </a:t>
                 </a:r>
+                <a:r>
+                  <a:rPr lang="ru-RU" sz="1400" dirty="0">
+                    <a:effectLst/>
+                    <a:latin typeface="Times New Roman" panose="02020603050405020304" pitchFamily="18" charset="0"/>
+                    <a:ea typeface="Times New Roman" panose="02020603050405020304" pitchFamily="18" charset="0"/>
+                    <a:cs typeface="Times New Roman" panose="02020603050405020304" pitchFamily="18" charset="0"/>
+                  </a:rPr>
+                  <a:t>Уравнения движения правого тазобедренного сустава зависит от сустава таза, поэтому система уравнений для оси </a:t>
+                </a:r>
+                <a:r>
+                  <a:rPr lang="en-US" sz="1400" dirty="0">
+                    <a:effectLst/>
+                    <a:latin typeface="Times New Roman" panose="02020603050405020304" pitchFamily="18" charset="0"/>
+                    <a:ea typeface="Times New Roman" panose="02020603050405020304" pitchFamily="18" charset="0"/>
+                    <a:cs typeface="Times New Roman" panose="02020603050405020304" pitchFamily="18" charset="0"/>
+                  </a:rPr>
+                  <a:t>X</a:t>
+                </a:r>
+                <a:r>
+                  <a:rPr lang="ru-RU" sz="1400" dirty="0">
+                    <a:effectLst/>
+                    <a:latin typeface="Times New Roman" panose="02020603050405020304" pitchFamily="18" charset="0"/>
+                    <a:ea typeface="Times New Roman" panose="02020603050405020304" pitchFamily="18" charset="0"/>
+                    <a:cs typeface="Times New Roman" panose="02020603050405020304" pitchFamily="18" charset="0"/>
+                  </a:rPr>
+                  <a:t>, аналогичная оси </a:t>
+                </a:r>
+                <a:r>
+                  <a:rPr lang="en-US" sz="1400" dirty="0">
+                    <a:effectLst/>
+                    <a:latin typeface="Times New Roman" panose="02020603050405020304" pitchFamily="18" charset="0"/>
+                    <a:ea typeface="Times New Roman" panose="02020603050405020304" pitchFamily="18" charset="0"/>
+                    <a:cs typeface="Times New Roman" panose="02020603050405020304" pitchFamily="18" charset="0"/>
+                  </a:rPr>
+                  <a:t>Y</a:t>
+                </a:r>
+                <a:r>
+                  <a:rPr lang="ru-RU" sz="1400" dirty="0">
+                    <a:effectLst/>
+                    <a:latin typeface="Times New Roman" panose="02020603050405020304" pitchFamily="18" charset="0"/>
+                    <a:ea typeface="Times New Roman" panose="02020603050405020304" pitchFamily="18" charset="0"/>
+                    <a:cs typeface="Times New Roman" panose="02020603050405020304" pitchFamily="18" charset="0"/>
+                  </a:rPr>
+                  <a:t>:</a:t>
+                </a:r>
+                <a:endParaRPr lang="ru-RU" sz="1400" dirty="0">
+                  <a:effectLst/>
+                  <a:latin typeface="Times New Roman" panose="02020603050405020304" pitchFamily="18" charset="0"/>
+                  <a:ea typeface="Calibri" panose="020F0502020204030204" pitchFamily="34" charset="0"/>
+                  <a:cs typeface="Times New Roman" panose="02020603050405020304" pitchFamily="18" charset="0"/>
+                </a:endParaRPr>
+              </a:p>
+              <a:p>
+                <a:pPr algn="just"/>
+                <a14:m>
+                  <m:oMathPara xmlns:m="http://schemas.openxmlformats.org/officeDocument/2006/math">
+                    <m:oMathParaPr>
+                      <m:jc m:val="centerGroup"/>
+                    </m:oMathParaPr>
+                    <m:oMath xmlns:m="http://schemas.openxmlformats.org/officeDocument/2006/math">
+                      <m:d>
+                        <m:dPr>
+                          <m:begChr m:val="{"/>
+                          <m:endChr m:val=""/>
+                          <m:ctrlPr>
+                            <a:rPr lang="ru-RU" sz="1400" i="1">
+                              <a:effectLst/>
+                              <a:latin typeface="Cambria Math" panose="02040503050406030204" pitchFamily="18" charset="0"/>
+                              <a:ea typeface="Times New Roman" panose="02020603050405020304" pitchFamily="18" charset="0"/>
+                              <a:cs typeface="Times New Roman" panose="02020603050405020304" pitchFamily="18" charset="0"/>
+                            </a:rPr>
+                          </m:ctrlPr>
+                        </m:dPr>
+                        <m:e>
+                          <m:eqArr>
+                            <m:eqArrPr>
+                              <m:ctrlPr>
+                                <a:rPr lang="ru-RU" sz="1400" i="1">
+                                  <a:effectLst/>
+                                  <a:latin typeface="Cambria Math" panose="02040503050406030204" pitchFamily="18" charset="0"/>
+                                  <a:ea typeface="Times New Roman" panose="02020603050405020304" pitchFamily="18" charset="0"/>
+                                  <a:cs typeface="Times New Roman" panose="02020603050405020304" pitchFamily="18" charset="0"/>
+                                </a:rPr>
+                              </m:ctrlPr>
+                            </m:eqArrPr>
+                            <m:e>
+                              <m:sSub>
+                                <m:sSubPr>
+                                  <m:ctrlPr>
+                                    <a:rPr lang="ru-RU" sz="1400" i="1">
+                                      <a:effectLst/>
+                                      <a:latin typeface="Cambria Math" panose="02040503050406030204" pitchFamily="18" charset="0"/>
+                                      <a:ea typeface="Times New Roman" panose="02020603050405020304" pitchFamily="18" charset="0"/>
+                                      <a:cs typeface="Times New Roman" panose="02020603050405020304" pitchFamily="18" charset="0"/>
+                                    </a:rPr>
+                                  </m:ctrlPr>
+                                </m:sSubPr>
+                                <m:e>
+                                  <m:r>
+                                    <a:rPr lang="ru-RU" sz="1400" i="1">
+                                      <a:effectLst/>
+                                      <a:latin typeface="Cambria Math" panose="02040503050406030204" pitchFamily="18" charset="0"/>
+                                      <a:ea typeface="Times New Roman" panose="02020603050405020304" pitchFamily="18" charset="0"/>
+                                      <a:cs typeface="Times New Roman" panose="02020603050405020304" pitchFamily="18" charset="0"/>
+                                    </a:rPr>
+                                    <m:t>Х</m:t>
+                                  </m:r>
+                                </m:e>
+                                <m:sub>
+                                  <m:r>
+                                    <a:rPr lang="ru-RU" sz="1400" i="1">
+                                      <a:effectLst/>
+                                      <a:latin typeface="Cambria Math" panose="02040503050406030204" pitchFamily="18" charset="0"/>
+                                      <a:ea typeface="Times New Roman" panose="02020603050405020304" pitchFamily="18" charset="0"/>
+                                      <a:cs typeface="Times New Roman" panose="02020603050405020304" pitchFamily="18" charset="0"/>
+                                    </a:rPr>
+                                    <m:t>пбедра </m:t>
+                                  </m:r>
+                                </m:sub>
+                              </m:sSub>
+                              <m:r>
+                                <a:rPr lang="ru-RU" sz="1400" i="1">
+                                  <a:effectLst/>
+                                  <a:latin typeface="Cambria Math" panose="02040503050406030204" pitchFamily="18" charset="0"/>
+                                  <a:ea typeface="Times New Roman" panose="02020603050405020304" pitchFamily="18" charset="0"/>
+                                  <a:cs typeface="Times New Roman" panose="02020603050405020304" pitchFamily="18" charset="0"/>
+                                </a:rPr>
+                                <m:t>= </m:t>
+                              </m:r>
+                              <m:sSub>
+                                <m:sSubPr>
+                                  <m:ctrlPr>
+                                    <a:rPr lang="ru-RU" sz="1400" i="1">
+                                      <a:effectLst/>
+                                      <a:latin typeface="Cambria Math" panose="02040503050406030204" pitchFamily="18" charset="0"/>
+                                      <a:ea typeface="Times New Roman" panose="02020603050405020304" pitchFamily="18" charset="0"/>
+                                      <a:cs typeface="Times New Roman" panose="02020603050405020304" pitchFamily="18" charset="0"/>
+                                    </a:rPr>
+                                  </m:ctrlPr>
+                                </m:sSubPr>
+                                <m:e>
+                                  <m:r>
+                                    <a:rPr lang="ru-RU" sz="1400" i="1">
+                                      <a:effectLst/>
+                                      <a:latin typeface="Cambria Math" panose="02040503050406030204" pitchFamily="18" charset="0"/>
+                                      <a:ea typeface="Times New Roman" panose="02020603050405020304" pitchFamily="18" charset="0"/>
+                                      <a:cs typeface="Times New Roman" panose="02020603050405020304" pitchFamily="18" charset="0"/>
+                                    </a:rPr>
+                                    <m:t>Х</m:t>
+                                  </m:r>
+                                </m:e>
+                                <m:sub>
+                                  <m:r>
+                                    <a:rPr lang="ru-RU" sz="1400" i="1">
+                                      <a:effectLst/>
+                                      <a:latin typeface="Cambria Math" panose="02040503050406030204" pitchFamily="18" charset="0"/>
+                                      <a:ea typeface="Times New Roman" panose="02020603050405020304" pitchFamily="18" charset="0"/>
+                                      <a:cs typeface="Times New Roman" panose="02020603050405020304" pitchFamily="18" charset="0"/>
+                                    </a:rPr>
+                                    <m:t>таза</m:t>
+                                  </m:r>
+                                </m:sub>
+                              </m:sSub>
+                              <m:r>
+                                <a:rPr lang="ru-RU" sz="1400" i="1">
+                                  <a:effectLst/>
+                                  <a:latin typeface="Cambria Math" panose="02040503050406030204" pitchFamily="18" charset="0"/>
+                                  <a:ea typeface="Times New Roman" panose="02020603050405020304" pitchFamily="18" charset="0"/>
+                                  <a:cs typeface="Times New Roman" panose="02020603050405020304" pitchFamily="18" charset="0"/>
+                                </a:rPr>
+                                <m:t>+</m:t>
+                              </m:r>
+                              <m:sSub>
+                                <m:sSubPr>
+                                  <m:ctrlPr>
+                                    <a:rPr lang="ru-RU" sz="1400" i="1">
+                                      <a:effectLst/>
+                                      <a:latin typeface="Cambria Math" panose="02040503050406030204" pitchFamily="18" charset="0"/>
+                                      <a:ea typeface="Times New Roman" panose="02020603050405020304" pitchFamily="18" charset="0"/>
+                                      <a:cs typeface="Times New Roman" panose="02020603050405020304" pitchFamily="18" charset="0"/>
+                                    </a:rPr>
+                                  </m:ctrlPr>
+                                </m:sSubPr>
+                                <m:e>
+                                  <m:r>
+                                    <a:rPr lang="ru-RU" sz="1400" i="1">
+                                      <a:effectLst/>
+                                      <a:latin typeface="Cambria Math" panose="02040503050406030204" pitchFamily="18" charset="0"/>
+                                      <a:ea typeface="Times New Roman" panose="02020603050405020304" pitchFamily="18" charset="0"/>
+                                      <a:cs typeface="Times New Roman" panose="02020603050405020304" pitchFamily="18" charset="0"/>
+                                    </a:rPr>
+                                    <m:t>𝐿</m:t>
+                                  </m:r>
+                                </m:e>
+                                <m:sub>
+                                  <m:r>
+                                    <a:rPr lang="ru-RU" sz="1400" i="1">
+                                      <a:effectLst/>
+                                      <a:latin typeface="Cambria Math" panose="02040503050406030204" pitchFamily="18" charset="0"/>
+                                      <a:ea typeface="Times New Roman" panose="02020603050405020304" pitchFamily="18" charset="0"/>
+                                      <a:cs typeface="Times New Roman" panose="02020603050405020304" pitchFamily="18" charset="0"/>
+                                    </a:rPr>
+                                    <m:t>пчтаза</m:t>
+                                  </m:r>
+                                </m:sub>
+                              </m:sSub>
+                              <m:r>
+                                <m:rPr>
+                                  <m:nor/>
+                                </m:rPr>
+                                <a:rPr lang="ru-RU" sz="1400" i="1">
+                                  <a:effectLst/>
+                                  <a:latin typeface="Cambria Math" panose="02040503050406030204" pitchFamily="18" charset="0"/>
+                                  <a:ea typeface="Times New Roman" panose="02020603050405020304" pitchFamily="18" charset="0"/>
+                                  <a:cs typeface="Cambria Math" panose="02040503050406030204" pitchFamily="18" charset="0"/>
+                                </a:rPr>
+                                <m:t>∗</m:t>
+                              </m:r>
+                              <m:r>
+                                <m:rPr>
+                                  <m:nor/>
+                                </m:rPr>
+                                <a:rPr lang="en-US" sz="1400" i="1">
+                                  <a:effectLst/>
+                                  <a:latin typeface="Cambria Math" panose="02040503050406030204" pitchFamily="18" charset="0"/>
+                                  <a:ea typeface="Times New Roman" panose="02020603050405020304" pitchFamily="18" charset="0"/>
+                                  <a:cs typeface="Times New Roman" panose="02020603050405020304" pitchFamily="18" charset="0"/>
+                                </a:rPr>
+                                <m:t> </m:t>
+                              </m:r>
+                              <m:r>
+                                <m:rPr>
+                                  <m:nor/>
+                                </m:rPr>
+                                <a:rPr lang="en-US" sz="1400">
+                                  <a:effectLst/>
+                                  <a:latin typeface="Cambria Math" panose="02040503050406030204" pitchFamily="18" charset="0"/>
+                                  <a:ea typeface="Times New Roman" panose="02020603050405020304" pitchFamily="18" charset="0"/>
+                                  <a:cs typeface="Times New Roman" panose="02020603050405020304" pitchFamily="18" charset="0"/>
+                                </a:rPr>
+                                <m:t>sin</m:t>
+                              </m:r>
+                              <m:r>
+                                <m:rPr>
+                                  <m:nor/>
+                                </m:rPr>
+                                <a:rPr lang="ru-RU" sz="1400">
+                                  <a:effectLst/>
+                                  <a:latin typeface="Cambria Math" panose="02040503050406030204" pitchFamily="18" charset="0"/>
+                                  <a:ea typeface="Times New Roman" panose="02020603050405020304" pitchFamily="18" charset="0"/>
+                                  <a:cs typeface="Times New Roman" panose="02020603050405020304" pitchFamily="18" charset="0"/>
+                                </a:rPr>
+                                <m:t>(</m:t>
+                              </m:r>
+                              <m:sSub>
+                                <m:sSubPr>
+                                  <m:ctrlPr>
+                                    <a:rPr lang="ru-RU" sz="1400" i="1">
+                                      <a:effectLst/>
+                                      <a:latin typeface="Cambria Math" panose="02040503050406030204" pitchFamily="18" charset="0"/>
+                                      <a:ea typeface="Times New Roman" panose="02020603050405020304" pitchFamily="18" charset="0"/>
+                                      <a:cs typeface="Times New Roman" panose="02020603050405020304" pitchFamily="18" charset="0"/>
+                                    </a:rPr>
+                                  </m:ctrlPr>
+                                </m:sSubPr>
+                                <m:e>
+                                  <m:r>
+                                    <m:rPr>
+                                      <m:sty m:val="p"/>
+                                    </m:rPr>
+                                    <a:rPr lang="ru-RU" sz="1400">
+                                      <a:effectLst/>
+                                      <a:latin typeface="Cambria Math" panose="02040503050406030204" pitchFamily="18" charset="0"/>
+                                      <a:ea typeface="Times New Roman" panose="02020603050405020304" pitchFamily="18" charset="0"/>
+                                      <a:cs typeface="Times New Roman" panose="02020603050405020304" pitchFamily="18" charset="0"/>
+                                    </a:rPr>
+                                    <m:t>Θ</m:t>
+                                  </m:r>
+                                </m:e>
+                                <m:sub>
+                                  <m:r>
+                                    <m:rPr>
+                                      <m:sty m:val="p"/>
+                                    </m:rPr>
+                                    <a:rPr lang="en-US" sz="1400">
+                                      <a:effectLst/>
+                                      <a:latin typeface="Cambria Math" panose="02040503050406030204" pitchFamily="18" charset="0"/>
+                                      <a:ea typeface="Times New Roman" panose="02020603050405020304" pitchFamily="18" charset="0"/>
+                                      <a:cs typeface="Times New Roman" panose="02020603050405020304" pitchFamily="18" charset="0"/>
+                                    </a:rPr>
+                                    <m:t>x</m:t>
+                                  </m:r>
+                                  <m:r>
+                                    <a:rPr lang="ru-RU" sz="1400">
+                                      <a:effectLst/>
+                                      <a:latin typeface="Cambria Math" panose="02040503050406030204" pitchFamily="18" charset="0"/>
+                                      <a:ea typeface="Times New Roman" panose="02020603050405020304" pitchFamily="18" charset="0"/>
+                                      <a:cs typeface="Times New Roman" panose="02020603050405020304" pitchFamily="18" charset="0"/>
+                                    </a:rPr>
+                                    <m:t>таза</m:t>
+                                  </m:r>
+                                </m:sub>
+                              </m:sSub>
+                              <m:r>
+                                <m:rPr>
+                                  <m:nor/>
+                                </m:rPr>
+                                <a:rPr lang="ru-RU" sz="1400">
+                                  <a:effectLst/>
+                                  <a:latin typeface="Cambria Math" panose="02040503050406030204" pitchFamily="18" charset="0"/>
+                                  <a:ea typeface="Times New Roman" panose="02020603050405020304" pitchFamily="18" charset="0"/>
+                                  <a:cs typeface="Times New Roman" panose="02020603050405020304" pitchFamily="18" charset="0"/>
+                                </a:rPr>
+                                <m:t>),</m:t>
+                              </m:r>
+                            </m:e>
+                            <m:e>
+                              <m:sSub>
+                                <m:sSubPr>
+                                  <m:ctrlPr>
+                                    <a:rPr lang="ru-RU" sz="1400" i="1">
+                                      <a:effectLst/>
+                                      <a:latin typeface="Cambria Math" panose="02040503050406030204" pitchFamily="18" charset="0"/>
+                                      <a:ea typeface="Times New Roman" panose="02020603050405020304" pitchFamily="18" charset="0"/>
+                                      <a:cs typeface="Times New Roman" panose="02020603050405020304" pitchFamily="18" charset="0"/>
+                                    </a:rPr>
+                                  </m:ctrlPr>
+                                </m:sSubPr>
+                                <m:e>
+                                  <m:r>
+                                    <m:rPr>
+                                      <m:sty m:val="p"/>
+                                    </m:rPr>
+                                    <a:rPr lang="en-US" sz="1400">
+                                      <a:effectLst/>
+                                      <a:latin typeface="Cambria Math" panose="02040503050406030204" pitchFamily="18" charset="0"/>
+                                      <a:ea typeface="Times New Roman" panose="02020603050405020304" pitchFamily="18" charset="0"/>
+                                      <a:cs typeface="Times New Roman" panose="02020603050405020304" pitchFamily="18" charset="0"/>
+                                    </a:rPr>
+                                    <m:t>V</m:t>
+                                  </m:r>
+                                </m:e>
+                                <m:sub>
+                                  <m:r>
+                                    <m:rPr>
+                                      <m:sty m:val="p"/>
+                                    </m:rPr>
+                                    <a:rPr lang="en-US" sz="1400">
+                                      <a:effectLst/>
+                                      <a:latin typeface="Cambria Math" panose="02040503050406030204" pitchFamily="18" charset="0"/>
+                                      <a:ea typeface="Times New Roman" panose="02020603050405020304" pitchFamily="18" charset="0"/>
+                                      <a:cs typeface="Times New Roman" panose="02020603050405020304" pitchFamily="18" charset="0"/>
+                                    </a:rPr>
+                                    <m:t>x</m:t>
+                                  </m:r>
+                                  <m:r>
+                                    <a:rPr lang="ru-RU" sz="1400">
+                                      <a:effectLst/>
+                                      <a:latin typeface="Cambria Math" panose="02040503050406030204" pitchFamily="18" charset="0"/>
+                                      <a:ea typeface="Times New Roman" panose="02020603050405020304" pitchFamily="18" charset="0"/>
+                                      <a:cs typeface="Times New Roman" panose="02020603050405020304" pitchFamily="18" charset="0"/>
+                                    </a:rPr>
+                                    <m:t>пбедра</m:t>
+                                  </m:r>
+                                </m:sub>
+                              </m:sSub>
+                              <m:r>
+                                <a:rPr lang="ru-RU" sz="1400" i="1">
+                                  <a:effectLst/>
+                                  <a:latin typeface="Cambria Math" panose="02040503050406030204" pitchFamily="18" charset="0"/>
+                                  <a:ea typeface="Times New Roman" panose="02020603050405020304" pitchFamily="18" charset="0"/>
+                                  <a:cs typeface="Times New Roman" panose="02020603050405020304" pitchFamily="18" charset="0"/>
+                                </a:rPr>
+                                <m:t>=</m:t>
+                              </m:r>
+                              <m:sSub>
+                                <m:sSubPr>
+                                  <m:ctrlPr>
+                                    <a:rPr lang="ru-RU" sz="1400" i="1">
+                                      <a:effectLst/>
+                                      <a:latin typeface="Cambria Math" panose="02040503050406030204" pitchFamily="18" charset="0"/>
+                                      <a:ea typeface="Times New Roman" panose="02020603050405020304" pitchFamily="18" charset="0"/>
+                                      <a:cs typeface="Times New Roman" panose="02020603050405020304" pitchFamily="18" charset="0"/>
+                                    </a:rPr>
+                                  </m:ctrlPr>
+                                </m:sSubPr>
+                                <m:e>
+                                  <m:r>
+                                    <m:rPr>
+                                      <m:sty m:val="p"/>
+                                    </m:rPr>
+                                    <a:rPr lang="en-US" sz="1400">
+                                      <a:effectLst/>
+                                      <a:latin typeface="Cambria Math" panose="02040503050406030204" pitchFamily="18" charset="0"/>
+                                      <a:ea typeface="Times New Roman" panose="02020603050405020304" pitchFamily="18" charset="0"/>
+                                      <a:cs typeface="Times New Roman" panose="02020603050405020304" pitchFamily="18" charset="0"/>
+                                    </a:rPr>
+                                    <m:t>V</m:t>
+                                  </m:r>
+                                </m:e>
+                                <m:sub>
+                                  <m:r>
+                                    <m:rPr>
+                                      <m:sty m:val="p"/>
+                                    </m:rPr>
+                                    <a:rPr lang="en-US" sz="1400">
+                                      <a:effectLst/>
+                                      <a:latin typeface="Cambria Math" panose="02040503050406030204" pitchFamily="18" charset="0"/>
+                                      <a:ea typeface="Times New Roman" panose="02020603050405020304" pitchFamily="18" charset="0"/>
+                                      <a:cs typeface="Times New Roman" panose="02020603050405020304" pitchFamily="18" charset="0"/>
+                                    </a:rPr>
+                                    <m:t>x</m:t>
+                                  </m:r>
+                                  <m:r>
+                                    <a:rPr lang="ru-RU" sz="1400">
+                                      <a:effectLst/>
+                                      <a:latin typeface="Cambria Math" panose="02040503050406030204" pitchFamily="18" charset="0"/>
+                                      <a:ea typeface="Times New Roman" panose="02020603050405020304" pitchFamily="18" charset="0"/>
+                                      <a:cs typeface="Times New Roman" panose="02020603050405020304" pitchFamily="18" charset="0"/>
+                                    </a:rPr>
+                                    <m:t>таза</m:t>
+                                  </m:r>
+                                </m:sub>
+                              </m:sSub>
+                              <m:r>
+                                <a:rPr lang="en-US" sz="1400" i="1">
+                                  <a:effectLst/>
+                                  <a:latin typeface="Cambria Math" panose="02040503050406030204" pitchFamily="18" charset="0"/>
+                                  <a:ea typeface="Times New Roman" panose="02020603050405020304" pitchFamily="18" charset="0"/>
+                                  <a:cs typeface="Times New Roman" panose="02020603050405020304" pitchFamily="18" charset="0"/>
+                                </a:rPr>
+                                <m:t> </m:t>
+                              </m:r>
+                              <m:r>
+                                <a:rPr lang="ru-RU" sz="1400" i="1">
+                                  <a:effectLst/>
+                                  <a:latin typeface="Cambria Math" panose="02040503050406030204" pitchFamily="18" charset="0"/>
+                                  <a:ea typeface="Times New Roman" panose="02020603050405020304" pitchFamily="18" charset="0"/>
+                                  <a:cs typeface="Times New Roman" panose="02020603050405020304" pitchFamily="18" charset="0"/>
+                                </a:rPr>
+                                <m:t>−</m:t>
+                              </m:r>
+                              <m:r>
+                                <a:rPr lang="en-US" sz="1400" i="1">
+                                  <a:effectLst/>
+                                  <a:latin typeface="Cambria Math" panose="02040503050406030204" pitchFamily="18" charset="0"/>
+                                  <a:ea typeface="Times New Roman" panose="02020603050405020304" pitchFamily="18" charset="0"/>
+                                  <a:cs typeface="Times New Roman" panose="02020603050405020304" pitchFamily="18" charset="0"/>
+                                </a:rPr>
+                                <m:t> </m:t>
+                              </m:r>
+                              <m:r>
+                                <m:rPr>
+                                  <m:nor/>
+                                </m:rPr>
+                                <a:rPr lang="en-US" sz="1400">
+                                  <a:effectLst/>
+                                  <a:latin typeface="Cambria Math" panose="02040503050406030204" pitchFamily="18" charset="0"/>
+                                  <a:ea typeface="Times New Roman" panose="02020603050405020304" pitchFamily="18" charset="0"/>
+                                  <a:cs typeface="Times New Roman" panose="02020603050405020304" pitchFamily="18" charset="0"/>
+                                </a:rPr>
+                                <m:t>L</m:t>
+                              </m:r>
+                              <m:r>
+                                <m:rPr>
+                                  <m:nor/>
+                                </m:rPr>
+                                <a:rPr lang="ru-RU" sz="1400" baseline="-25000">
+                                  <a:effectLst/>
+                                  <a:latin typeface="Cambria Math" panose="02040503050406030204" pitchFamily="18" charset="0"/>
+                                  <a:ea typeface="Times New Roman" panose="02020603050405020304" pitchFamily="18" charset="0"/>
+                                  <a:cs typeface="Times New Roman" panose="02020603050405020304" pitchFamily="18" charset="0"/>
+                                </a:rPr>
+                                <m:t>пчтаза</m:t>
+                              </m:r>
+                              <m:r>
+                                <a:rPr lang="ru-RU" sz="1400" i="1">
+                                  <a:effectLst/>
+                                  <a:latin typeface="Cambria Math" panose="02040503050406030204" pitchFamily="18" charset="0"/>
+                                  <a:ea typeface="Times New Roman" panose="02020603050405020304" pitchFamily="18" charset="0"/>
+                                  <a:cs typeface="Times New Roman" panose="02020603050405020304" pitchFamily="18" charset="0"/>
+                                </a:rPr>
+                                <m:t>  ∗ </m:t>
+                              </m:r>
+                              <m:r>
+                                <a:rPr lang="ru-RU" sz="1400" i="1">
+                                  <a:effectLst/>
+                                  <a:latin typeface="Cambria Math" panose="02040503050406030204" pitchFamily="18" charset="0"/>
+                                  <a:ea typeface="Times New Roman" panose="02020603050405020304" pitchFamily="18" charset="0"/>
+                                  <a:cs typeface="Times New Roman" panose="02020603050405020304" pitchFamily="18" charset="0"/>
+                                </a:rPr>
+                                <m:t>𝑐𝑜𝑠</m:t>
+                              </m:r>
+                              <m:d>
+                                <m:dPr>
+                                  <m:ctrlPr>
+                                    <a:rPr lang="ru-RU" sz="1400" i="1">
+                                      <a:effectLst/>
+                                      <a:latin typeface="Cambria Math" panose="02040503050406030204" pitchFamily="18" charset="0"/>
+                                      <a:ea typeface="Times New Roman" panose="02020603050405020304" pitchFamily="18" charset="0"/>
+                                      <a:cs typeface="Times New Roman" panose="02020603050405020304" pitchFamily="18" charset="0"/>
+                                    </a:rPr>
+                                  </m:ctrlPr>
+                                </m:dPr>
+                                <m:e>
+                                  <m:sSub>
+                                    <m:sSubPr>
+                                      <m:ctrlPr>
+                                        <a:rPr lang="ru-RU" sz="1400" i="1">
+                                          <a:effectLst/>
+                                          <a:latin typeface="Cambria Math" panose="02040503050406030204" pitchFamily="18" charset="0"/>
+                                          <a:ea typeface="Times New Roman" panose="02020603050405020304" pitchFamily="18" charset="0"/>
+                                          <a:cs typeface="Times New Roman" panose="02020603050405020304" pitchFamily="18" charset="0"/>
+                                        </a:rPr>
+                                      </m:ctrlPr>
+                                    </m:sSubPr>
+                                    <m:e>
+                                      <m:r>
+                                        <m:rPr>
+                                          <m:sty m:val="p"/>
+                                        </m:rPr>
+                                        <a:rPr lang="ru-RU" sz="1400">
+                                          <a:effectLst/>
+                                          <a:latin typeface="Cambria Math" panose="02040503050406030204" pitchFamily="18" charset="0"/>
+                                          <a:ea typeface="Times New Roman" panose="02020603050405020304" pitchFamily="18" charset="0"/>
+                                          <a:cs typeface="Times New Roman" panose="02020603050405020304" pitchFamily="18" charset="0"/>
+                                        </a:rPr>
+                                        <m:t>Θ</m:t>
+                                      </m:r>
+                                    </m:e>
+                                    <m:sub>
+                                      <m:r>
+                                        <m:rPr>
+                                          <m:sty m:val="p"/>
+                                        </m:rPr>
+                                        <a:rPr lang="en-US" sz="1400">
+                                          <a:effectLst/>
+                                          <a:latin typeface="Cambria Math" panose="02040503050406030204" pitchFamily="18" charset="0"/>
+                                          <a:ea typeface="Times New Roman" panose="02020603050405020304" pitchFamily="18" charset="0"/>
+                                          <a:cs typeface="Times New Roman" panose="02020603050405020304" pitchFamily="18" charset="0"/>
+                                        </a:rPr>
+                                        <m:t>x</m:t>
+                                      </m:r>
+                                      <m:r>
+                                        <a:rPr lang="ru-RU" sz="1400">
+                                          <a:effectLst/>
+                                          <a:latin typeface="Cambria Math" panose="02040503050406030204" pitchFamily="18" charset="0"/>
+                                          <a:ea typeface="Times New Roman" panose="02020603050405020304" pitchFamily="18" charset="0"/>
+                                          <a:cs typeface="Times New Roman" panose="02020603050405020304" pitchFamily="18" charset="0"/>
+                                        </a:rPr>
+                                        <m:t>таза</m:t>
+                                      </m:r>
+                                    </m:sub>
+                                  </m:sSub>
+                                </m:e>
+                              </m:d>
+                              <m:r>
+                                <a:rPr lang="ru-RU" sz="1400" i="1">
+                                  <a:effectLst/>
+                                  <a:latin typeface="Cambria Math" panose="02040503050406030204" pitchFamily="18" charset="0"/>
+                                  <a:ea typeface="Times New Roman" panose="02020603050405020304" pitchFamily="18" charset="0"/>
+                                  <a:cs typeface="Times New Roman" panose="02020603050405020304" pitchFamily="18" charset="0"/>
+                                </a:rPr>
+                                <m:t>𝑑</m:t>
+                              </m:r>
+                              <m:sSub>
+                                <m:sSubPr>
+                                  <m:ctrlPr>
+                                    <a:rPr lang="ru-RU" sz="1400" i="1">
+                                      <a:effectLst/>
+                                      <a:latin typeface="Cambria Math" panose="02040503050406030204" pitchFamily="18" charset="0"/>
+                                      <a:ea typeface="Times New Roman" panose="02020603050405020304" pitchFamily="18" charset="0"/>
+                                      <a:cs typeface="Times New Roman" panose="02020603050405020304" pitchFamily="18" charset="0"/>
+                                    </a:rPr>
+                                  </m:ctrlPr>
+                                </m:sSubPr>
+                                <m:e>
+                                  <m:r>
+                                    <m:rPr>
+                                      <m:sty m:val="p"/>
+                                    </m:rPr>
+                                    <a:rPr lang="ru-RU" sz="1400">
+                                      <a:effectLst/>
+                                      <a:latin typeface="Cambria Math" panose="02040503050406030204" pitchFamily="18" charset="0"/>
+                                      <a:ea typeface="Times New Roman" panose="02020603050405020304" pitchFamily="18" charset="0"/>
+                                      <a:cs typeface="Times New Roman" panose="02020603050405020304" pitchFamily="18" charset="0"/>
+                                    </a:rPr>
+                                    <m:t>Θ</m:t>
+                                  </m:r>
+                                </m:e>
+                                <m:sub>
+                                  <m:r>
+                                    <m:rPr>
+                                      <m:sty m:val="p"/>
+                                    </m:rPr>
+                                    <a:rPr lang="en-US" sz="1400">
+                                      <a:effectLst/>
+                                      <a:latin typeface="Cambria Math" panose="02040503050406030204" pitchFamily="18" charset="0"/>
+                                      <a:ea typeface="Times New Roman" panose="02020603050405020304" pitchFamily="18" charset="0"/>
+                                      <a:cs typeface="Times New Roman" panose="02020603050405020304" pitchFamily="18" charset="0"/>
+                                    </a:rPr>
+                                    <m:t>x</m:t>
+                                  </m:r>
+                                  <m:r>
+                                    <a:rPr lang="ru-RU" sz="1400">
+                                      <a:effectLst/>
+                                      <a:latin typeface="Cambria Math" panose="02040503050406030204" pitchFamily="18" charset="0"/>
+                                      <a:ea typeface="Times New Roman" panose="02020603050405020304" pitchFamily="18" charset="0"/>
+                                      <a:cs typeface="Times New Roman" panose="02020603050405020304" pitchFamily="18" charset="0"/>
+                                    </a:rPr>
+                                    <m:t>таза</m:t>
+                                  </m:r>
+                                </m:sub>
+                              </m:sSub>
+                              <m:r>
+                                <a:rPr lang="ru-RU" sz="1400" i="1">
+                                  <a:effectLst/>
+                                  <a:latin typeface="Cambria Math" panose="02040503050406030204" pitchFamily="18" charset="0"/>
+                                  <a:ea typeface="Times New Roman" panose="02020603050405020304" pitchFamily="18" charset="0"/>
+                                  <a:cs typeface="Times New Roman" panose="02020603050405020304" pitchFamily="18" charset="0"/>
+                                </a:rPr>
+                                <m:t>,</m:t>
+                              </m:r>
+                            </m:e>
+                            <m:e>
+                              <m:sSub>
+                                <m:sSubPr>
+                                  <m:ctrlPr>
+                                    <a:rPr lang="ru-RU" sz="1400" i="1">
+                                      <a:effectLst/>
+                                      <a:latin typeface="Cambria Math" panose="02040503050406030204" pitchFamily="18" charset="0"/>
+                                      <a:ea typeface="Times New Roman" panose="02020603050405020304" pitchFamily="18" charset="0"/>
+                                      <a:cs typeface="Times New Roman" panose="02020603050405020304" pitchFamily="18" charset="0"/>
+                                    </a:rPr>
+                                  </m:ctrlPr>
+                                </m:sSubPr>
+                                <m:e>
+                                  <m:r>
+                                    <m:rPr>
+                                      <m:sty m:val="p"/>
+                                    </m:rPr>
+                                    <a:rPr lang="en-US" sz="1400">
+                                      <a:effectLst/>
+                                      <a:latin typeface="Cambria Math" panose="02040503050406030204" pitchFamily="18" charset="0"/>
+                                      <a:ea typeface="Times New Roman" panose="02020603050405020304" pitchFamily="18" charset="0"/>
+                                      <a:cs typeface="Times New Roman" panose="02020603050405020304" pitchFamily="18" charset="0"/>
+                                    </a:rPr>
+                                    <m:t>a</m:t>
+                                  </m:r>
+                                </m:e>
+                                <m:sub>
+                                  <m:r>
+                                    <m:rPr>
+                                      <m:sty m:val="p"/>
+                                    </m:rPr>
+                                    <a:rPr lang="en-US" sz="1400">
+                                      <a:effectLst/>
+                                      <a:latin typeface="Cambria Math" panose="02040503050406030204" pitchFamily="18" charset="0"/>
+                                      <a:ea typeface="Times New Roman" panose="02020603050405020304" pitchFamily="18" charset="0"/>
+                                      <a:cs typeface="Times New Roman" panose="02020603050405020304" pitchFamily="18" charset="0"/>
+                                    </a:rPr>
+                                    <m:t>x</m:t>
+                                  </m:r>
+                                  <m:r>
+                                    <a:rPr lang="ru-RU" sz="1400">
+                                      <a:effectLst/>
+                                      <a:latin typeface="Cambria Math" panose="02040503050406030204" pitchFamily="18" charset="0"/>
+                                      <a:ea typeface="Times New Roman" panose="02020603050405020304" pitchFamily="18" charset="0"/>
+                                      <a:cs typeface="Times New Roman" panose="02020603050405020304" pitchFamily="18" charset="0"/>
+                                    </a:rPr>
+                                    <m:t>пбедра</m:t>
+                                  </m:r>
+                                </m:sub>
+                              </m:sSub>
+                              <m:r>
+                                <a:rPr lang="ru-RU" sz="1400" i="1">
+                                  <a:effectLst/>
+                                  <a:latin typeface="Cambria Math" panose="02040503050406030204" pitchFamily="18" charset="0"/>
+                                  <a:ea typeface="Times New Roman" panose="02020603050405020304" pitchFamily="18" charset="0"/>
+                                  <a:cs typeface="Times New Roman" panose="02020603050405020304" pitchFamily="18" charset="0"/>
+                                </a:rPr>
+                                <m:t>=</m:t>
+                              </m:r>
+                              <m:sSub>
+                                <m:sSubPr>
+                                  <m:ctrlPr>
+                                    <a:rPr lang="ru-RU" sz="1400" i="1">
+                                      <a:effectLst/>
+                                      <a:latin typeface="Cambria Math" panose="02040503050406030204" pitchFamily="18" charset="0"/>
+                                      <a:ea typeface="Times New Roman" panose="02020603050405020304" pitchFamily="18" charset="0"/>
+                                      <a:cs typeface="Times New Roman" panose="02020603050405020304" pitchFamily="18" charset="0"/>
+                                    </a:rPr>
+                                  </m:ctrlPr>
+                                </m:sSubPr>
+                                <m:e>
+                                  <m:r>
+                                    <m:rPr>
+                                      <m:sty m:val="p"/>
+                                    </m:rPr>
+                                    <a:rPr lang="en-US" sz="1400">
+                                      <a:effectLst/>
+                                      <a:latin typeface="Cambria Math" panose="02040503050406030204" pitchFamily="18" charset="0"/>
+                                      <a:ea typeface="Times New Roman" panose="02020603050405020304" pitchFamily="18" charset="0"/>
+                                      <a:cs typeface="Times New Roman" panose="02020603050405020304" pitchFamily="18" charset="0"/>
+                                    </a:rPr>
+                                    <m:t>a</m:t>
+                                  </m:r>
+                                </m:e>
+                                <m:sub>
+                                  <m:r>
+                                    <m:rPr>
+                                      <m:sty m:val="p"/>
+                                    </m:rPr>
+                                    <a:rPr lang="en-US" sz="1400">
+                                      <a:effectLst/>
+                                      <a:latin typeface="Cambria Math" panose="02040503050406030204" pitchFamily="18" charset="0"/>
+                                      <a:ea typeface="Times New Roman" panose="02020603050405020304" pitchFamily="18" charset="0"/>
+                                      <a:cs typeface="Times New Roman" panose="02020603050405020304" pitchFamily="18" charset="0"/>
+                                    </a:rPr>
+                                    <m:t>x</m:t>
+                                  </m:r>
+                                  <m:r>
+                                    <a:rPr lang="ru-RU" sz="1400">
+                                      <a:effectLst/>
+                                      <a:latin typeface="Cambria Math" panose="02040503050406030204" pitchFamily="18" charset="0"/>
+                                      <a:ea typeface="Times New Roman" panose="02020603050405020304" pitchFamily="18" charset="0"/>
+                                      <a:cs typeface="Times New Roman" panose="02020603050405020304" pitchFamily="18" charset="0"/>
+                                    </a:rPr>
+                                    <m:t>таза</m:t>
+                                  </m:r>
+                                </m:sub>
+                              </m:sSub>
+                              <m:r>
+                                <a:rPr lang="en-US" sz="1400" i="1">
+                                  <a:effectLst/>
+                                  <a:latin typeface="Cambria Math" panose="02040503050406030204" pitchFamily="18" charset="0"/>
+                                  <a:ea typeface="Times New Roman" panose="02020603050405020304" pitchFamily="18" charset="0"/>
+                                  <a:cs typeface="Times New Roman" panose="02020603050405020304" pitchFamily="18" charset="0"/>
+                                </a:rPr>
+                                <m:t> </m:t>
+                              </m:r>
+                              <m:r>
+                                <a:rPr lang="ru-RU" sz="1400" i="1">
+                                  <a:effectLst/>
+                                  <a:latin typeface="Cambria Math" panose="02040503050406030204" pitchFamily="18" charset="0"/>
+                                  <a:ea typeface="Times New Roman" panose="02020603050405020304" pitchFamily="18" charset="0"/>
+                                  <a:cs typeface="Times New Roman" panose="02020603050405020304" pitchFamily="18" charset="0"/>
+                                </a:rPr>
+                                <m:t>−</m:t>
+                              </m:r>
+                              <m:r>
+                                <a:rPr lang="en-US" sz="1400" i="1">
+                                  <a:effectLst/>
+                                  <a:latin typeface="Cambria Math" panose="02040503050406030204" pitchFamily="18" charset="0"/>
+                                  <a:ea typeface="Times New Roman" panose="02020603050405020304" pitchFamily="18" charset="0"/>
+                                  <a:cs typeface="Times New Roman" panose="02020603050405020304" pitchFamily="18" charset="0"/>
+                                </a:rPr>
+                                <m:t> </m:t>
+                              </m:r>
+                              <m:r>
+                                <m:rPr>
+                                  <m:nor/>
+                                </m:rPr>
+                                <a:rPr lang="en-US" sz="1400">
+                                  <a:effectLst/>
+                                  <a:latin typeface="Cambria Math" panose="02040503050406030204" pitchFamily="18" charset="0"/>
+                                  <a:ea typeface="Times New Roman" panose="02020603050405020304" pitchFamily="18" charset="0"/>
+                                  <a:cs typeface="Times New Roman" panose="02020603050405020304" pitchFamily="18" charset="0"/>
+                                </a:rPr>
+                                <m:t>L</m:t>
+                              </m:r>
+                              <m:r>
+                                <m:rPr>
+                                  <m:nor/>
+                                </m:rPr>
+                                <a:rPr lang="ru-RU" sz="1400" baseline="-25000">
+                                  <a:effectLst/>
+                                  <a:latin typeface="Cambria Math" panose="02040503050406030204" pitchFamily="18" charset="0"/>
+                                  <a:ea typeface="Times New Roman" panose="02020603050405020304" pitchFamily="18" charset="0"/>
+                                  <a:cs typeface="Times New Roman" panose="02020603050405020304" pitchFamily="18" charset="0"/>
+                                </a:rPr>
+                                <m:t>пчтаза</m:t>
+                              </m:r>
+                              <m:r>
+                                <a:rPr lang="en-US" sz="1400" i="1" baseline="-25000">
+                                  <a:effectLst/>
+                                  <a:latin typeface="Cambria Math" panose="02040503050406030204" pitchFamily="18" charset="0"/>
+                                  <a:ea typeface="Times New Roman" panose="02020603050405020304" pitchFamily="18" charset="0"/>
+                                  <a:cs typeface="Times New Roman" panose="02020603050405020304" pitchFamily="18" charset="0"/>
+                                </a:rPr>
+                                <m:t> </m:t>
+                              </m:r>
+                              <m:r>
+                                <a:rPr lang="ru-RU" sz="1400" i="1">
+                                  <a:effectLst/>
+                                  <a:latin typeface="Cambria Math" panose="02040503050406030204" pitchFamily="18" charset="0"/>
+                                  <a:ea typeface="Times New Roman" panose="02020603050405020304" pitchFamily="18" charset="0"/>
+                                  <a:cs typeface="Times New Roman" panose="02020603050405020304" pitchFamily="18" charset="0"/>
+                                </a:rPr>
+                                <m:t>∗</m:t>
+                              </m:r>
+                              <m:r>
+                                <a:rPr lang="en-US" sz="1400" i="1">
+                                  <a:effectLst/>
+                                  <a:latin typeface="Cambria Math" panose="02040503050406030204" pitchFamily="18" charset="0"/>
+                                  <a:ea typeface="Times New Roman" panose="02020603050405020304" pitchFamily="18" charset="0"/>
+                                  <a:cs typeface="Times New Roman" panose="02020603050405020304" pitchFamily="18" charset="0"/>
+                                </a:rPr>
+                                <m:t> </m:t>
+                              </m:r>
+                              <m:r>
+                                <a:rPr lang="en-US" sz="1400" i="1">
+                                  <a:effectLst/>
+                                  <a:latin typeface="Cambria Math" panose="02040503050406030204" pitchFamily="18" charset="0"/>
+                                  <a:ea typeface="Times New Roman" panose="02020603050405020304" pitchFamily="18" charset="0"/>
+                                  <a:cs typeface="Times New Roman" panose="02020603050405020304" pitchFamily="18" charset="0"/>
+                                </a:rPr>
+                                <m:t>𝑠𝑖𝑛</m:t>
+                              </m:r>
+                              <m:d>
+                                <m:dPr>
+                                  <m:ctrlPr>
+                                    <a:rPr lang="ru-RU" sz="1400" i="1">
+                                      <a:effectLst/>
+                                      <a:latin typeface="Cambria Math" panose="02040503050406030204" pitchFamily="18" charset="0"/>
+                                      <a:ea typeface="Times New Roman" panose="02020603050405020304" pitchFamily="18" charset="0"/>
+                                      <a:cs typeface="Times New Roman" panose="02020603050405020304" pitchFamily="18" charset="0"/>
+                                    </a:rPr>
+                                  </m:ctrlPr>
+                                </m:dPr>
+                                <m:e>
+                                  <m:sSub>
+                                    <m:sSubPr>
+                                      <m:ctrlPr>
+                                        <a:rPr lang="ru-RU" sz="1400" i="1">
+                                          <a:effectLst/>
+                                          <a:latin typeface="Cambria Math" panose="02040503050406030204" pitchFamily="18" charset="0"/>
+                                          <a:ea typeface="Times New Roman" panose="02020603050405020304" pitchFamily="18" charset="0"/>
+                                          <a:cs typeface="Times New Roman" panose="02020603050405020304" pitchFamily="18" charset="0"/>
+                                        </a:rPr>
+                                      </m:ctrlPr>
+                                    </m:sSubPr>
+                                    <m:e>
+                                      <m:r>
+                                        <m:rPr>
+                                          <m:sty m:val="p"/>
+                                        </m:rPr>
+                                        <a:rPr lang="ru-RU" sz="1400">
+                                          <a:effectLst/>
+                                          <a:latin typeface="Cambria Math" panose="02040503050406030204" pitchFamily="18" charset="0"/>
+                                          <a:ea typeface="Times New Roman" panose="02020603050405020304" pitchFamily="18" charset="0"/>
+                                          <a:cs typeface="Times New Roman" panose="02020603050405020304" pitchFamily="18" charset="0"/>
+                                        </a:rPr>
+                                        <m:t>Θ</m:t>
+                                      </m:r>
+                                    </m:e>
+                                    <m:sub>
+                                      <m:r>
+                                        <m:rPr>
+                                          <m:sty m:val="p"/>
+                                        </m:rPr>
+                                        <a:rPr lang="en-US" sz="1400">
+                                          <a:effectLst/>
+                                          <a:latin typeface="Cambria Math" panose="02040503050406030204" pitchFamily="18" charset="0"/>
+                                          <a:ea typeface="Times New Roman" panose="02020603050405020304" pitchFamily="18" charset="0"/>
+                                          <a:cs typeface="Times New Roman" panose="02020603050405020304" pitchFamily="18" charset="0"/>
+                                        </a:rPr>
+                                        <m:t>x</m:t>
+                                      </m:r>
+                                      <m:r>
+                                        <a:rPr lang="ru-RU" sz="1400">
+                                          <a:effectLst/>
+                                          <a:latin typeface="Cambria Math" panose="02040503050406030204" pitchFamily="18" charset="0"/>
+                                          <a:ea typeface="Times New Roman" panose="02020603050405020304" pitchFamily="18" charset="0"/>
+                                          <a:cs typeface="Times New Roman" panose="02020603050405020304" pitchFamily="18" charset="0"/>
+                                        </a:rPr>
+                                        <m:t>таза</m:t>
+                                      </m:r>
+                                    </m:sub>
+                                  </m:sSub>
+                                </m:e>
+                              </m:d>
+                              <m:r>
+                                <a:rPr lang="ru-RU" sz="1400" i="1">
+                                  <a:effectLst/>
+                                  <a:latin typeface="Cambria Math" panose="02040503050406030204" pitchFamily="18" charset="0"/>
+                                  <a:ea typeface="Times New Roman" panose="02020603050405020304" pitchFamily="18" charset="0"/>
+                                  <a:cs typeface="Times New Roman" panose="02020603050405020304" pitchFamily="18" charset="0"/>
+                                </a:rPr>
+                                <m:t>∗</m:t>
+                              </m:r>
+                              <m:r>
+                                <a:rPr lang="en-US" sz="1400" i="1">
+                                  <a:effectLst/>
+                                  <a:latin typeface="Cambria Math" panose="02040503050406030204" pitchFamily="18" charset="0"/>
+                                  <a:ea typeface="Times New Roman" panose="02020603050405020304" pitchFamily="18" charset="0"/>
+                                  <a:cs typeface="Times New Roman" panose="02020603050405020304" pitchFamily="18" charset="0"/>
+                                </a:rPr>
+                                <m:t> </m:t>
+                              </m:r>
+                              <m:sSup>
+                                <m:sSupPr>
+                                  <m:ctrlPr>
+                                    <a:rPr lang="ru-RU" sz="1400" i="1">
+                                      <a:effectLst/>
+                                      <a:latin typeface="Cambria Math" panose="02040503050406030204" pitchFamily="18" charset="0"/>
+                                      <a:ea typeface="Times New Roman" panose="02020603050405020304" pitchFamily="18" charset="0"/>
+                                      <a:cs typeface="Times New Roman" panose="02020603050405020304" pitchFamily="18" charset="0"/>
+                                    </a:rPr>
+                                  </m:ctrlPr>
+                                </m:sSupPr>
+                                <m:e>
+                                  <m:r>
+                                    <a:rPr lang="en-US" sz="1400" i="1">
+                                      <a:effectLst/>
+                                      <a:latin typeface="Cambria Math" panose="02040503050406030204" pitchFamily="18" charset="0"/>
+                                      <a:ea typeface="Times New Roman" panose="02020603050405020304" pitchFamily="18" charset="0"/>
+                                      <a:cs typeface="Times New Roman" panose="02020603050405020304" pitchFamily="18" charset="0"/>
+                                    </a:rPr>
+                                    <m:t>𝑑</m:t>
+                                  </m:r>
+                                  <m:sSub>
+                                    <m:sSubPr>
+                                      <m:ctrlPr>
+                                        <a:rPr lang="ru-RU" sz="1400" i="1">
+                                          <a:effectLst/>
+                                          <a:latin typeface="Cambria Math" panose="02040503050406030204" pitchFamily="18" charset="0"/>
+                                          <a:ea typeface="Times New Roman" panose="02020603050405020304" pitchFamily="18" charset="0"/>
+                                          <a:cs typeface="Times New Roman" panose="02020603050405020304" pitchFamily="18" charset="0"/>
+                                        </a:rPr>
+                                      </m:ctrlPr>
+                                    </m:sSubPr>
+                                    <m:e>
+                                      <m:r>
+                                        <m:rPr>
+                                          <m:sty m:val="p"/>
+                                        </m:rPr>
+                                        <a:rPr lang="ru-RU" sz="1400">
+                                          <a:effectLst/>
+                                          <a:latin typeface="Cambria Math" panose="02040503050406030204" pitchFamily="18" charset="0"/>
+                                          <a:ea typeface="Times New Roman" panose="02020603050405020304" pitchFamily="18" charset="0"/>
+                                          <a:cs typeface="Times New Roman" panose="02020603050405020304" pitchFamily="18" charset="0"/>
+                                        </a:rPr>
+                                        <m:t>Θ</m:t>
+                                      </m:r>
+                                    </m:e>
+                                    <m:sub>
+                                      <m:r>
+                                        <m:rPr>
+                                          <m:sty m:val="p"/>
+                                        </m:rPr>
+                                        <a:rPr lang="en-US" sz="1400">
+                                          <a:effectLst/>
+                                          <a:latin typeface="Cambria Math" panose="02040503050406030204" pitchFamily="18" charset="0"/>
+                                          <a:ea typeface="Times New Roman" panose="02020603050405020304" pitchFamily="18" charset="0"/>
+                                          <a:cs typeface="Times New Roman" panose="02020603050405020304" pitchFamily="18" charset="0"/>
+                                        </a:rPr>
+                                        <m:t>x</m:t>
+                                      </m:r>
+                                      <m:r>
+                                        <a:rPr lang="ru-RU" sz="1400">
+                                          <a:effectLst/>
+                                          <a:latin typeface="Cambria Math" panose="02040503050406030204" pitchFamily="18" charset="0"/>
+                                          <a:ea typeface="Times New Roman" panose="02020603050405020304" pitchFamily="18" charset="0"/>
+                                          <a:cs typeface="Times New Roman" panose="02020603050405020304" pitchFamily="18" charset="0"/>
+                                        </a:rPr>
+                                        <m:t>таза</m:t>
+                                      </m:r>
+                                    </m:sub>
+                                  </m:sSub>
+                                </m:e>
+                                <m:sup>
+                                  <m:r>
+                                    <a:rPr lang="ru-RU" sz="1400" i="1">
+                                      <a:effectLst/>
+                                      <a:latin typeface="Cambria Math" panose="02040503050406030204" pitchFamily="18" charset="0"/>
+                                      <a:ea typeface="Times New Roman" panose="02020603050405020304" pitchFamily="18" charset="0"/>
+                                      <a:cs typeface="Times New Roman" panose="02020603050405020304" pitchFamily="18" charset="0"/>
+                                    </a:rPr>
+                                    <m:t>2</m:t>
+                                  </m:r>
+                                </m:sup>
+                              </m:sSup>
+                            </m:e>
+                            <m:e>
+                              <m:r>
+                                <a:rPr lang="ru-RU" sz="1400" i="1">
+                                  <a:effectLst/>
+                                  <a:latin typeface="Cambria Math" panose="02040503050406030204" pitchFamily="18" charset="0"/>
+                                  <a:ea typeface="Times New Roman" panose="02020603050405020304" pitchFamily="18" charset="0"/>
+                                  <a:cs typeface="Times New Roman" panose="02020603050405020304" pitchFamily="18" charset="0"/>
+                                </a:rPr>
+                                <m:t>−</m:t>
+                              </m:r>
+                              <m:r>
+                                <a:rPr lang="en-US" sz="1400" i="1">
+                                  <a:effectLst/>
+                                  <a:latin typeface="Cambria Math" panose="02040503050406030204" pitchFamily="18" charset="0"/>
+                                  <a:ea typeface="Times New Roman" panose="02020603050405020304" pitchFamily="18" charset="0"/>
+                                  <a:cs typeface="Times New Roman" panose="02020603050405020304" pitchFamily="18" charset="0"/>
+                                </a:rPr>
+                                <m:t> </m:t>
+                              </m:r>
+                              <m:r>
+                                <m:rPr>
+                                  <m:nor/>
+                                </m:rPr>
+                                <a:rPr lang="en-US" sz="1400">
+                                  <a:effectLst/>
+                                  <a:latin typeface="Cambria Math" panose="02040503050406030204" pitchFamily="18" charset="0"/>
+                                  <a:ea typeface="Times New Roman" panose="02020603050405020304" pitchFamily="18" charset="0"/>
+                                  <a:cs typeface="Times New Roman" panose="02020603050405020304" pitchFamily="18" charset="0"/>
+                                </a:rPr>
+                                <m:t>L</m:t>
+                              </m:r>
+                              <m:r>
+                                <m:rPr>
+                                  <m:nor/>
+                                </m:rPr>
+                                <a:rPr lang="ru-RU" sz="1400" baseline="-25000">
+                                  <a:effectLst/>
+                                  <a:latin typeface="Cambria Math" panose="02040503050406030204" pitchFamily="18" charset="0"/>
+                                  <a:ea typeface="Times New Roman" panose="02020603050405020304" pitchFamily="18" charset="0"/>
+                                  <a:cs typeface="Times New Roman" panose="02020603050405020304" pitchFamily="18" charset="0"/>
+                                </a:rPr>
+                                <m:t>пчтаза</m:t>
+                              </m:r>
+                              <m:r>
+                                <a:rPr lang="en-US" sz="1400" i="1">
+                                  <a:effectLst/>
+                                  <a:latin typeface="Cambria Math" panose="02040503050406030204" pitchFamily="18" charset="0"/>
+                                  <a:ea typeface="Times New Roman" panose="02020603050405020304" pitchFamily="18" charset="0"/>
+                                  <a:cs typeface="Times New Roman" panose="02020603050405020304" pitchFamily="18" charset="0"/>
+                                </a:rPr>
+                                <m:t> </m:t>
+                              </m:r>
+                              <m:r>
+                                <a:rPr lang="ru-RU" sz="1400" i="1">
+                                  <a:effectLst/>
+                                  <a:latin typeface="Cambria Math" panose="02040503050406030204" pitchFamily="18" charset="0"/>
+                                  <a:ea typeface="Times New Roman" panose="02020603050405020304" pitchFamily="18" charset="0"/>
+                                  <a:cs typeface="Times New Roman" panose="02020603050405020304" pitchFamily="18" charset="0"/>
+                                </a:rPr>
+                                <m:t>∗</m:t>
+                              </m:r>
+                              <m:r>
+                                <a:rPr lang="en-US" sz="1400" i="1">
+                                  <a:effectLst/>
+                                  <a:latin typeface="Cambria Math" panose="02040503050406030204" pitchFamily="18" charset="0"/>
+                                  <a:ea typeface="Times New Roman" panose="02020603050405020304" pitchFamily="18" charset="0"/>
+                                  <a:cs typeface="Times New Roman" panose="02020603050405020304" pitchFamily="18" charset="0"/>
+                                </a:rPr>
+                                <m:t> </m:t>
+                              </m:r>
+                              <m:r>
+                                <a:rPr lang="en-US" sz="1400" i="1">
+                                  <a:effectLst/>
+                                  <a:latin typeface="Cambria Math" panose="02040503050406030204" pitchFamily="18" charset="0"/>
+                                  <a:ea typeface="Times New Roman" panose="02020603050405020304" pitchFamily="18" charset="0"/>
+                                  <a:cs typeface="Times New Roman" panose="02020603050405020304" pitchFamily="18" charset="0"/>
+                                </a:rPr>
+                                <m:t>𝑐𝑜𝑠</m:t>
+                              </m:r>
+                              <m:d>
+                                <m:dPr>
+                                  <m:ctrlPr>
+                                    <a:rPr lang="ru-RU" sz="1400" i="1">
+                                      <a:effectLst/>
+                                      <a:latin typeface="Cambria Math" panose="02040503050406030204" pitchFamily="18" charset="0"/>
+                                      <a:ea typeface="Times New Roman" panose="02020603050405020304" pitchFamily="18" charset="0"/>
+                                      <a:cs typeface="Times New Roman" panose="02020603050405020304" pitchFamily="18" charset="0"/>
+                                    </a:rPr>
+                                  </m:ctrlPr>
+                                </m:dPr>
+                                <m:e>
+                                  <m:sSub>
+                                    <m:sSubPr>
+                                      <m:ctrlPr>
+                                        <a:rPr lang="ru-RU" sz="1400" i="1">
+                                          <a:effectLst/>
+                                          <a:latin typeface="Cambria Math" panose="02040503050406030204" pitchFamily="18" charset="0"/>
+                                          <a:ea typeface="Times New Roman" panose="02020603050405020304" pitchFamily="18" charset="0"/>
+                                          <a:cs typeface="Times New Roman" panose="02020603050405020304" pitchFamily="18" charset="0"/>
+                                        </a:rPr>
+                                      </m:ctrlPr>
+                                    </m:sSubPr>
+                                    <m:e>
+                                      <m:r>
+                                        <m:rPr>
+                                          <m:sty m:val="p"/>
+                                        </m:rPr>
+                                        <a:rPr lang="ru-RU" sz="1400">
+                                          <a:effectLst/>
+                                          <a:latin typeface="Cambria Math" panose="02040503050406030204" pitchFamily="18" charset="0"/>
+                                          <a:ea typeface="Times New Roman" panose="02020603050405020304" pitchFamily="18" charset="0"/>
+                                          <a:cs typeface="Times New Roman" panose="02020603050405020304" pitchFamily="18" charset="0"/>
+                                        </a:rPr>
+                                        <m:t>Θ</m:t>
+                                      </m:r>
+                                    </m:e>
+                                    <m:sub>
+                                      <m:r>
+                                        <m:rPr>
+                                          <m:sty m:val="p"/>
+                                        </m:rPr>
+                                        <a:rPr lang="en-US" sz="1400">
+                                          <a:effectLst/>
+                                          <a:latin typeface="Cambria Math" panose="02040503050406030204" pitchFamily="18" charset="0"/>
+                                          <a:ea typeface="Times New Roman" panose="02020603050405020304" pitchFamily="18" charset="0"/>
+                                          <a:cs typeface="Times New Roman" panose="02020603050405020304" pitchFamily="18" charset="0"/>
+                                        </a:rPr>
+                                        <m:t>x</m:t>
+                                      </m:r>
+                                      <m:r>
+                                        <a:rPr lang="ru-RU" sz="1400">
+                                          <a:effectLst/>
+                                          <a:latin typeface="Cambria Math" panose="02040503050406030204" pitchFamily="18" charset="0"/>
+                                          <a:ea typeface="Times New Roman" panose="02020603050405020304" pitchFamily="18" charset="0"/>
+                                          <a:cs typeface="Times New Roman" panose="02020603050405020304" pitchFamily="18" charset="0"/>
+                                        </a:rPr>
+                                        <m:t>таза</m:t>
+                                      </m:r>
+                                    </m:sub>
+                                  </m:sSub>
+                                </m:e>
+                              </m:d>
+                              <m:r>
+                                <a:rPr lang="en-US" sz="1400" i="1">
+                                  <a:effectLst/>
+                                  <a:latin typeface="Cambria Math" panose="02040503050406030204" pitchFamily="18" charset="0"/>
+                                  <a:ea typeface="Times New Roman" panose="02020603050405020304" pitchFamily="18" charset="0"/>
+                                  <a:cs typeface="Times New Roman" panose="02020603050405020304" pitchFamily="18" charset="0"/>
+                                </a:rPr>
+                                <m:t> </m:t>
+                              </m:r>
+                              <m:r>
+                                <a:rPr lang="en-US" sz="1400" i="1">
+                                  <a:effectLst/>
+                                  <a:latin typeface="Cambria Math" panose="02040503050406030204" pitchFamily="18" charset="0"/>
+                                  <a:ea typeface="Times New Roman" panose="02020603050405020304" pitchFamily="18" charset="0"/>
+                                  <a:cs typeface="Times New Roman" panose="02020603050405020304" pitchFamily="18" charset="0"/>
+                                </a:rPr>
+                                <m:t>𝑑𝑑</m:t>
+                              </m:r>
+                              <m:sSub>
+                                <m:sSubPr>
+                                  <m:ctrlPr>
+                                    <a:rPr lang="ru-RU" sz="1400" i="1">
+                                      <a:effectLst/>
+                                      <a:latin typeface="Cambria Math" panose="02040503050406030204" pitchFamily="18" charset="0"/>
+                                      <a:ea typeface="Times New Roman" panose="02020603050405020304" pitchFamily="18" charset="0"/>
+                                      <a:cs typeface="Times New Roman" panose="02020603050405020304" pitchFamily="18" charset="0"/>
+                                    </a:rPr>
+                                  </m:ctrlPr>
+                                </m:sSubPr>
+                                <m:e>
+                                  <m:r>
+                                    <m:rPr>
+                                      <m:sty m:val="p"/>
+                                    </m:rPr>
+                                    <a:rPr lang="ru-RU" sz="1400">
+                                      <a:effectLst/>
+                                      <a:latin typeface="Cambria Math" panose="02040503050406030204" pitchFamily="18" charset="0"/>
+                                      <a:ea typeface="Times New Roman" panose="02020603050405020304" pitchFamily="18" charset="0"/>
+                                      <a:cs typeface="Times New Roman" panose="02020603050405020304" pitchFamily="18" charset="0"/>
+                                    </a:rPr>
+                                    <m:t>Θ</m:t>
+                                  </m:r>
+                                </m:e>
+                                <m:sub>
+                                  <m:r>
+                                    <m:rPr>
+                                      <m:sty m:val="p"/>
+                                    </m:rPr>
+                                    <a:rPr lang="en-US" sz="1400">
+                                      <a:effectLst/>
+                                      <a:latin typeface="Cambria Math" panose="02040503050406030204" pitchFamily="18" charset="0"/>
+                                      <a:ea typeface="Times New Roman" panose="02020603050405020304" pitchFamily="18" charset="0"/>
+                                      <a:cs typeface="Times New Roman" panose="02020603050405020304" pitchFamily="18" charset="0"/>
+                                    </a:rPr>
+                                    <m:t>x</m:t>
+                                  </m:r>
+                                  <m:r>
+                                    <a:rPr lang="ru-RU" sz="1400">
+                                      <a:effectLst/>
+                                      <a:latin typeface="Cambria Math" panose="02040503050406030204" pitchFamily="18" charset="0"/>
+                                      <a:ea typeface="Times New Roman" panose="02020603050405020304" pitchFamily="18" charset="0"/>
+                                      <a:cs typeface="Times New Roman" panose="02020603050405020304" pitchFamily="18" charset="0"/>
+                                    </a:rPr>
+                                    <m:t>таза</m:t>
+                                  </m:r>
+                                </m:sub>
+                              </m:sSub>
+                              <m:r>
+                                <a:rPr lang="ru-RU" sz="1400" i="1">
+                                  <a:effectLst/>
+                                  <a:latin typeface="Cambria Math" panose="02040503050406030204" pitchFamily="18" charset="0"/>
+                                  <a:ea typeface="Times New Roman" panose="02020603050405020304" pitchFamily="18" charset="0"/>
+                                  <a:cs typeface="Times New Roman" panose="02020603050405020304" pitchFamily="18" charset="0"/>
+                                </a:rPr>
+                                <m:t>.</m:t>
+                              </m:r>
+                            </m:e>
+                          </m:eqArr>
+                        </m:e>
+                      </m:d>
+                    </m:oMath>
+                  </m:oMathPara>
+                </a14:m>
+                <a:endParaRPr lang="ru-RU" sz="1400" dirty="0">
+                  <a:effectLst/>
+                  <a:latin typeface="Times New Roman" panose="02020603050405020304" pitchFamily="18" charset="0"/>
+                  <a:ea typeface="Calibri" panose="020F0502020204030204" pitchFamily="34" charset="0"/>
+                  <a:cs typeface="Times New Roman" panose="02020603050405020304" pitchFamily="18" charset="0"/>
+                </a:endParaRPr>
+              </a:p>
+              <a:p>
+                <a:pPr algn="just"/>
+                <a:r>
+                  <a:rPr lang="ru-RU" sz="1400" dirty="0">
+                    <a:effectLst/>
+                    <a:latin typeface="Times New Roman" panose="02020603050405020304" pitchFamily="18" charset="0"/>
+                    <a:ea typeface="Times New Roman" panose="02020603050405020304" pitchFamily="18" charset="0"/>
+                    <a:cs typeface="Times New Roman" panose="02020603050405020304" pitchFamily="18" charset="0"/>
+                  </a:rPr>
+                  <a:t>По оси </a:t>
+                </a:r>
+                <a:r>
+                  <a:rPr lang="en-US" sz="1400" dirty="0">
+                    <a:effectLst/>
+                    <a:latin typeface="Times New Roman" panose="02020603050405020304" pitchFamily="18" charset="0"/>
+                    <a:ea typeface="Times New Roman" panose="02020603050405020304" pitchFamily="18" charset="0"/>
+                    <a:cs typeface="Times New Roman" panose="02020603050405020304" pitchFamily="18" charset="0"/>
+                  </a:rPr>
+                  <a:t>Z:</a:t>
+                </a:r>
+                <a:endParaRPr lang="ru-RU" sz="1400" dirty="0">
+                  <a:effectLst/>
+                  <a:latin typeface="Times New Roman" panose="02020603050405020304" pitchFamily="18" charset="0"/>
+                  <a:ea typeface="Calibri" panose="020F0502020204030204" pitchFamily="34" charset="0"/>
+                  <a:cs typeface="Times New Roman" panose="02020603050405020304" pitchFamily="18" charset="0"/>
+                </a:endParaRPr>
+              </a:p>
+              <a:p>
+                <a:pPr algn="just">
+                  <a:spcAft>
+                    <a:spcPts val="800"/>
+                  </a:spcAft>
+                </a:pPr>
+                <a14:m>
+                  <m:oMathPara xmlns:m="http://schemas.openxmlformats.org/officeDocument/2006/math">
+                    <m:oMathParaPr>
+                      <m:jc m:val="centerGroup"/>
+                    </m:oMathParaPr>
+                    <m:oMath xmlns:m="http://schemas.openxmlformats.org/officeDocument/2006/math">
+                      <m:d>
+                        <m:dPr>
+                          <m:begChr m:val="{"/>
+                          <m:endChr m:val=""/>
+                          <m:ctrlPr>
+                            <a:rPr lang="ru-RU" sz="1400" i="1">
+                              <a:effectLst/>
+                              <a:latin typeface="Cambria Math" panose="02040503050406030204" pitchFamily="18" charset="0"/>
+                              <a:ea typeface="Times New Roman" panose="02020603050405020304" pitchFamily="18" charset="0"/>
+                              <a:cs typeface="Times New Roman" panose="02020603050405020304" pitchFamily="18" charset="0"/>
+                            </a:rPr>
+                          </m:ctrlPr>
+                        </m:dPr>
+                        <m:e>
+                          <m:eqArr>
+                            <m:eqArrPr>
+                              <m:ctrlPr>
+                                <a:rPr lang="ru-RU" sz="1400" i="1">
+                                  <a:effectLst/>
+                                  <a:latin typeface="Cambria Math" panose="02040503050406030204" pitchFamily="18" charset="0"/>
+                                  <a:ea typeface="Times New Roman" panose="02020603050405020304" pitchFamily="18" charset="0"/>
+                                  <a:cs typeface="Times New Roman" panose="02020603050405020304" pitchFamily="18" charset="0"/>
+                                </a:rPr>
+                              </m:ctrlPr>
+                            </m:eqArrPr>
+                            <m:e>
+                              <m:sSub>
+                                <m:sSubPr>
+                                  <m:ctrlPr>
+                                    <a:rPr lang="ru-RU" sz="1400" i="1">
+                                      <a:effectLst/>
+                                      <a:latin typeface="Cambria Math" panose="02040503050406030204" pitchFamily="18" charset="0"/>
+                                      <a:ea typeface="Times New Roman" panose="02020603050405020304" pitchFamily="18" charset="0"/>
+                                      <a:cs typeface="Times New Roman" panose="02020603050405020304" pitchFamily="18" charset="0"/>
+                                    </a:rPr>
+                                  </m:ctrlPr>
+                                </m:sSubPr>
+                                <m:e>
+                                  <m:r>
+                                    <a:rPr lang="ru-RU" sz="1400" i="1">
+                                      <a:effectLst/>
+                                      <a:latin typeface="Cambria Math" panose="02040503050406030204" pitchFamily="18" charset="0"/>
+                                      <a:ea typeface="Times New Roman" panose="02020603050405020304" pitchFamily="18" charset="0"/>
+                                      <a:cs typeface="Times New Roman" panose="02020603050405020304" pitchFamily="18" charset="0"/>
+                                    </a:rPr>
+                                    <m:t>𝑌</m:t>
+                                  </m:r>
+                                </m:e>
+                                <m:sub>
+                                  <m:r>
+                                    <a:rPr lang="ru-RU" sz="1400" i="1">
+                                      <a:effectLst/>
+                                      <a:latin typeface="Cambria Math" panose="02040503050406030204" pitchFamily="18" charset="0"/>
+                                      <a:ea typeface="Times New Roman" panose="02020603050405020304" pitchFamily="18" charset="0"/>
+                                      <a:cs typeface="Times New Roman" panose="02020603050405020304" pitchFamily="18" charset="0"/>
+                                    </a:rPr>
+                                    <m:t>пбедра </m:t>
+                                  </m:r>
+                                </m:sub>
+                              </m:sSub>
+                              <m:r>
+                                <a:rPr lang="en-US" sz="1400" i="1">
+                                  <a:effectLst/>
+                                  <a:latin typeface="Cambria Math" panose="02040503050406030204" pitchFamily="18" charset="0"/>
+                                  <a:ea typeface="Times New Roman" panose="02020603050405020304" pitchFamily="18" charset="0"/>
+                                  <a:cs typeface="Times New Roman" panose="02020603050405020304" pitchFamily="18" charset="0"/>
+                                </a:rPr>
+                                <m:t>= </m:t>
+                              </m:r>
+                              <m:sSub>
+                                <m:sSubPr>
+                                  <m:ctrlPr>
+                                    <a:rPr lang="ru-RU" sz="1400" i="1">
+                                      <a:effectLst/>
+                                      <a:latin typeface="Cambria Math" panose="02040503050406030204" pitchFamily="18" charset="0"/>
+                                      <a:ea typeface="Times New Roman" panose="02020603050405020304" pitchFamily="18" charset="0"/>
+                                      <a:cs typeface="Times New Roman" panose="02020603050405020304" pitchFamily="18" charset="0"/>
+                                    </a:rPr>
+                                  </m:ctrlPr>
+                                </m:sSubPr>
+                                <m:e>
+                                  <m:r>
+                                    <a:rPr lang="ru-RU" sz="1400" i="1">
+                                      <a:effectLst/>
+                                      <a:latin typeface="Cambria Math" panose="02040503050406030204" pitchFamily="18" charset="0"/>
+                                      <a:ea typeface="Times New Roman" panose="02020603050405020304" pitchFamily="18" charset="0"/>
+                                      <a:cs typeface="Times New Roman" panose="02020603050405020304" pitchFamily="18" charset="0"/>
+                                    </a:rPr>
+                                    <m:t>𝑌</m:t>
+                                  </m:r>
+                                </m:e>
+                                <m:sub>
+                                  <m:r>
+                                    <a:rPr lang="ru-RU" sz="1400" i="1">
+                                      <a:effectLst/>
+                                      <a:latin typeface="Cambria Math" panose="02040503050406030204" pitchFamily="18" charset="0"/>
+                                      <a:ea typeface="Times New Roman" panose="02020603050405020304" pitchFamily="18" charset="0"/>
+                                      <a:cs typeface="Times New Roman" panose="02020603050405020304" pitchFamily="18" charset="0"/>
+                                    </a:rPr>
+                                    <m:t>таза</m:t>
+                                  </m:r>
+                                </m:sub>
+                              </m:sSub>
+                              <m:r>
+                                <a:rPr lang="en-US" sz="1400" i="1">
+                                  <a:effectLst/>
+                                  <a:latin typeface="Cambria Math" panose="02040503050406030204" pitchFamily="18" charset="0"/>
+                                  <a:ea typeface="Times New Roman" panose="02020603050405020304" pitchFamily="18" charset="0"/>
+                                  <a:cs typeface="Times New Roman" panose="02020603050405020304" pitchFamily="18" charset="0"/>
+                                </a:rPr>
+                                <m:t>+</m:t>
+                              </m:r>
+                              <m:sSub>
+                                <m:sSubPr>
+                                  <m:ctrlPr>
+                                    <a:rPr lang="ru-RU" sz="1400" i="1">
+                                      <a:effectLst/>
+                                      <a:latin typeface="Cambria Math" panose="02040503050406030204" pitchFamily="18" charset="0"/>
+                                      <a:ea typeface="Times New Roman" panose="02020603050405020304" pitchFamily="18" charset="0"/>
+                                      <a:cs typeface="Times New Roman" panose="02020603050405020304" pitchFamily="18" charset="0"/>
+                                    </a:rPr>
+                                  </m:ctrlPr>
+                                </m:sSubPr>
+                                <m:e>
+                                  <m:r>
+                                    <a:rPr lang="ru-RU" sz="1400" i="1">
+                                      <a:effectLst/>
+                                      <a:latin typeface="Cambria Math" panose="02040503050406030204" pitchFamily="18" charset="0"/>
+                                      <a:ea typeface="Times New Roman" panose="02020603050405020304" pitchFamily="18" charset="0"/>
+                                      <a:cs typeface="Times New Roman" panose="02020603050405020304" pitchFamily="18" charset="0"/>
+                                    </a:rPr>
+                                    <m:t>𝐿</m:t>
+                                  </m:r>
+                                </m:e>
+                                <m:sub>
+                                  <m:r>
+                                    <a:rPr lang="ru-RU" sz="1400" i="1">
+                                      <a:effectLst/>
+                                      <a:latin typeface="Cambria Math" panose="02040503050406030204" pitchFamily="18" charset="0"/>
+                                      <a:ea typeface="Times New Roman" panose="02020603050405020304" pitchFamily="18" charset="0"/>
+                                      <a:cs typeface="Times New Roman" panose="02020603050405020304" pitchFamily="18" charset="0"/>
+                                    </a:rPr>
+                                    <m:t>пчтаза</m:t>
+                                  </m:r>
+                                </m:sub>
+                              </m:sSub>
+                              <m:r>
+                                <m:rPr>
+                                  <m:nor/>
+                                </m:rPr>
+                                <a:rPr lang="en-US" sz="1400" i="1">
+                                  <a:effectLst/>
+                                  <a:latin typeface="Cambria Math" panose="02040503050406030204" pitchFamily="18" charset="0"/>
+                                  <a:ea typeface="Times New Roman" panose="02020603050405020304" pitchFamily="18" charset="0"/>
+                                  <a:cs typeface="Cambria Math" panose="02040503050406030204" pitchFamily="18" charset="0"/>
+                                </a:rPr>
+                                <m:t>∗</m:t>
+                              </m:r>
+                              <m:r>
+                                <m:rPr>
+                                  <m:nor/>
+                                </m:rPr>
+                                <a:rPr lang="en-US" sz="1400" i="1">
+                                  <a:effectLst/>
+                                  <a:latin typeface="Cambria Math" panose="02040503050406030204" pitchFamily="18" charset="0"/>
+                                  <a:ea typeface="Times New Roman" panose="02020603050405020304" pitchFamily="18" charset="0"/>
+                                  <a:cs typeface="Times New Roman" panose="02020603050405020304" pitchFamily="18" charset="0"/>
+                                </a:rPr>
+                                <m:t> </m:t>
+                              </m:r>
+                              <m:r>
+                                <m:rPr>
+                                  <m:nor/>
+                                </m:rPr>
+                                <a:rPr lang="en-US" sz="1400">
+                                  <a:effectLst/>
+                                  <a:latin typeface="Cambria Math" panose="02040503050406030204" pitchFamily="18" charset="0"/>
+                                  <a:ea typeface="Times New Roman" panose="02020603050405020304" pitchFamily="18" charset="0"/>
+                                  <a:cs typeface="Times New Roman" panose="02020603050405020304" pitchFamily="18" charset="0"/>
+                                </a:rPr>
+                                <m:t>cos</m:t>
+                              </m:r>
+                              <m:r>
+                                <m:rPr>
+                                  <m:nor/>
+                                </m:rPr>
+                                <a:rPr lang="en-US" sz="1400">
+                                  <a:effectLst/>
+                                  <a:latin typeface="Cambria Math" panose="02040503050406030204" pitchFamily="18" charset="0"/>
+                                  <a:ea typeface="Times New Roman" panose="02020603050405020304" pitchFamily="18" charset="0"/>
+                                  <a:cs typeface="Times New Roman" panose="02020603050405020304" pitchFamily="18" charset="0"/>
+                                </a:rPr>
+                                <m:t>(</m:t>
+                              </m:r>
+                              <m:sSub>
+                                <m:sSubPr>
+                                  <m:ctrlPr>
+                                    <a:rPr lang="ru-RU" sz="1400" i="1">
+                                      <a:effectLst/>
+                                      <a:latin typeface="Cambria Math" panose="02040503050406030204" pitchFamily="18" charset="0"/>
+                                      <a:ea typeface="Times New Roman" panose="02020603050405020304" pitchFamily="18" charset="0"/>
+                                      <a:cs typeface="Times New Roman" panose="02020603050405020304" pitchFamily="18" charset="0"/>
+                                    </a:rPr>
+                                  </m:ctrlPr>
+                                </m:sSubPr>
+                                <m:e>
+                                  <m:r>
+                                    <m:rPr>
+                                      <m:sty m:val="p"/>
+                                    </m:rPr>
+                                    <a:rPr lang="ru-RU" sz="1400">
+                                      <a:effectLst/>
+                                      <a:latin typeface="Cambria Math" panose="02040503050406030204" pitchFamily="18" charset="0"/>
+                                      <a:ea typeface="Times New Roman" panose="02020603050405020304" pitchFamily="18" charset="0"/>
+                                      <a:cs typeface="Times New Roman" panose="02020603050405020304" pitchFamily="18" charset="0"/>
+                                    </a:rPr>
+                                    <m:t>Θ</m:t>
+                                  </m:r>
+                                </m:e>
+                                <m:sub>
+                                  <m:r>
+                                    <m:rPr>
+                                      <m:sty m:val="p"/>
+                                    </m:rPr>
+                                    <a:rPr lang="en-US" sz="1400">
+                                      <a:effectLst/>
+                                      <a:latin typeface="Cambria Math" panose="02040503050406030204" pitchFamily="18" charset="0"/>
+                                      <a:ea typeface="Times New Roman" panose="02020603050405020304" pitchFamily="18" charset="0"/>
+                                      <a:cs typeface="Times New Roman" panose="02020603050405020304" pitchFamily="18" charset="0"/>
+                                    </a:rPr>
+                                    <m:t>y</m:t>
+                                  </m:r>
+                                  <m:r>
+                                    <a:rPr lang="ru-RU" sz="1400">
+                                      <a:effectLst/>
+                                      <a:latin typeface="Cambria Math" panose="02040503050406030204" pitchFamily="18" charset="0"/>
+                                      <a:ea typeface="Times New Roman" panose="02020603050405020304" pitchFamily="18" charset="0"/>
+                                      <a:cs typeface="Times New Roman" panose="02020603050405020304" pitchFamily="18" charset="0"/>
+                                    </a:rPr>
+                                    <m:t>таза</m:t>
+                                  </m:r>
+                                </m:sub>
+                              </m:sSub>
+                              <m:r>
+                                <m:rPr>
+                                  <m:nor/>
+                                </m:rPr>
+                                <a:rPr lang="en-US" sz="1400">
+                                  <a:effectLst/>
+                                  <a:latin typeface="Cambria Math" panose="02040503050406030204" pitchFamily="18" charset="0"/>
+                                  <a:ea typeface="Times New Roman" panose="02020603050405020304" pitchFamily="18" charset="0"/>
+                                  <a:cs typeface="Times New Roman" panose="02020603050405020304" pitchFamily="18" charset="0"/>
+                                </a:rPr>
+                                <m:t>),</m:t>
+                              </m:r>
+                            </m:e>
+                            <m:e>
+                              <m:sSub>
+                                <m:sSubPr>
+                                  <m:ctrlPr>
+                                    <a:rPr lang="ru-RU" sz="1400" i="1">
+                                      <a:effectLst/>
+                                      <a:latin typeface="Cambria Math" panose="02040503050406030204" pitchFamily="18" charset="0"/>
+                                      <a:ea typeface="Times New Roman" panose="02020603050405020304" pitchFamily="18" charset="0"/>
+                                      <a:cs typeface="Times New Roman" panose="02020603050405020304" pitchFamily="18" charset="0"/>
+                                    </a:rPr>
+                                  </m:ctrlPr>
+                                </m:sSubPr>
+                                <m:e>
+                                  <m:r>
+                                    <m:rPr>
+                                      <m:sty m:val="p"/>
+                                    </m:rPr>
+                                    <a:rPr lang="en-US" sz="1400">
+                                      <a:effectLst/>
+                                      <a:latin typeface="Cambria Math" panose="02040503050406030204" pitchFamily="18" charset="0"/>
+                                      <a:ea typeface="Times New Roman" panose="02020603050405020304" pitchFamily="18" charset="0"/>
+                                      <a:cs typeface="Times New Roman" panose="02020603050405020304" pitchFamily="18" charset="0"/>
+                                    </a:rPr>
+                                    <m:t>V</m:t>
+                                  </m:r>
+                                </m:e>
+                                <m:sub>
+                                  <m:r>
+                                    <m:rPr>
+                                      <m:sty m:val="p"/>
+                                    </m:rPr>
+                                    <a:rPr lang="en-US" sz="1400">
+                                      <a:effectLst/>
+                                      <a:latin typeface="Cambria Math" panose="02040503050406030204" pitchFamily="18" charset="0"/>
+                                      <a:ea typeface="Times New Roman" panose="02020603050405020304" pitchFamily="18" charset="0"/>
+                                      <a:cs typeface="Times New Roman" panose="02020603050405020304" pitchFamily="18" charset="0"/>
+                                    </a:rPr>
+                                    <m:t>y</m:t>
+                                  </m:r>
+                                  <m:r>
+                                    <a:rPr lang="ru-RU" sz="1400">
+                                      <a:effectLst/>
+                                      <a:latin typeface="Cambria Math" panose="02040503050406030204" pitchFamily="18" charset="0"/>
+                                      <a:ea typeface="Times New Roman" panose="02020603050405020304" pitchFamily="18" charset="0"/>
+                                      <a:cs typeface="Times New Roman" panose="02020603050405020304" pitchFamily="18" charset="0"/>
+                                    </a:rPr>
+                                    <m:t>пбедра</m:t>
+                                  </m:r>
+                                </m:sub>
+                              </m:sSub>
+                              <m:r>
+                                <a:rPr lang="ru-RU" sz="1400" i="1">
+                                  <a:effectLst/>
+                                  <a:latin typeface="Cambria Math" panose="02040503050406030204" pitchFamily="18" charset="0"/>
+                                  <a:ea typeface="Times New Roman" panose="02020603050405020304" pitchFamily="18" charset="0"/>
+                                  <a:cs typeface="Times New Roman" panose="02020603050405020304" pitchFamily="18" charset="0"/>
+                                </a:rPr>
+                                <m:t>=</m:t>
+                              </m:r>
+                              <m:sSub>
+                                <m:sSubPr>
+                                  <m:ctrlPr>
+                                    <a:rPr lang="ru-RU" sz="1400" i="1">
+                                      <a:effectLst/>
+                                      <a:latin typeface="Cambria Math" panose="02040503050406030204" pitchFamily="18" charset="0"/>
+                                      <a:ea typeface="Times New Roman" panose="02020603050405020304" pitchFamily="18" charset="0"/>
+                                      <a:cs typeface="Times New Roman" panose="02020603050405020304" pitchFamily="18" charset="0"/>
+                                    </a:rPr>
+                                  </m:ctrlPr>
+                                </m:sSubPr>
+                                <m:e>
+                                  <m:r>
+                                    <m:rPr>
+                                      <m:sty m:val="p"/>
+                                    </m:rPr>
+                                    <a:rPr lang="en-US" sz="1400">
+                                      <a:effectLst/>
+                                      <a:latin typeface="Cambria Math" panose="02040503050406030204" pitchFamily="18" charset="0"/>
+                                      <a:ea typeface="Times New Roman" panose="02020603050405020304" pitchFamily="18" charset="0"/>
+                                      <a:cs typeface="Times New Roman" panose="02020603050405020304" pitchFamily="18" charset="0"/>
+                                    </a:rPr>
+                                    <m:t>V</m:t>
+                                  </m:r>
+                                </m:e>
+                                <m:sub>
+                                  <m:r>
+                                    <m:rPr>
+                                      <m:sty m:val="p"/>
+                                    </m:rPr>
+                                    <a:rPr lang="en-US" sz="1400">
+                                      <a:effectLst/>
+                                      <a:latin typeface="Cambria Math" panose="02040503050406030204" pitchFamily="18" charset="0"/>
+                                      <a:ea typeface="Times New Roman" panose="02020603050405020304" pitchFamily="18" charset="0"/>
+                                      <a:cs typeface="Times New Roman" panose="02020603050405020304" pitchFamily="18" charset="0"/>
+                                    </a:rPr>
+                                    <m:t>y</m:t>
+                                  </m:r>
+                                  <m:r>
+                                    <a:rPr lang="ru-RU" sz="1400">
+                                      <a:effectLst/>
+                                      <a:latin typeface="Cambria Math" panose="02040503050406030204" pitchFamily="18" charset="0"/>
+                                      <a:ea typeface="Times New Roman" panose="02020603050405020304" pitchFamily="18" charset="0"/>
+                                      <a:cs typeface="Times New Roman" panose="02020603050405020304" pitchFamily="18" charset="0"/>
+                                    </a:rPr>
+                                    <m:t>таза</m:t>
+                                  </m:r>
+                                </m:sub>
+                              </m:sSub>
+                              <m:r>
+                                <a:rPr lang="en-US" sz="1400" i="1">
+                                  <a:effectLst/>
+                                  <a:latin typeface="Cambria Math" panose="02040503050406030204" pitchFamily="18" charset="0"/>
+                                  <a:ea typeface="Times New Roman" panose="02020603050405020304" pitchFamily="18" charset="0"/>
+                                  <a:cs typeface="Times New Roman" panose="02020603050405020304" pitchFamily="18" charset="0"/>
+                                </a:rPr>
+                                <m:t> </m:t>
+                              </m:r>
+                              <m:r>
+                                <a:rPr lang="ru-RU" sz="1400" i="1">
+                                  <a:effectLst/>
+                                  <a:latin typeface="Cambria Math" panose="02040503050406030204" pitchFamily="18" charset="0"/>
+                                  <a:ea typeface="Times New Roman" panose="02020603050405020304" pitchFamily="18" charset="0"/>
+                                  <a:cs typeface="Times New Roman" panose="02020603050405020304" pitchFamily="18" charset="0"/>
+                                </a:rPr>
+                                <m:t>−</m:t>
+                              </m:r>
+                              <m:r>
+                                <a:rPr lang="en-US" sz="1400" i="1">
+                                  <a:effectLst/>
+                                  <a:latin typeface="Cambria Math" panose="02040503050406030204" pitchFamily="18" charset="0"/>
+                                  <a:ea typeface="Times New Roman" panose="02020603050405020304" pitchFamily="18" charset="0"/>
+                                  <a:cs typeface="Times New Roman" panose="02020603050405020304" pitchFamily="18" charset="0"/>
+                                </a:rPr>
+                                <m:t> </m:t>
+                              </m:r>
+                              <m:r>
+                                <m:rPr>
+                                  <m:nor/>
+                                </m:rPr>
+                                <a:rPr lang="en-US" sz="1400">
+                                  <a:effectLst/>
+                                  <a:latin typeface="Cambria Math" panose="02040503050406030204" pitchFamily="18" charset="0"/>
+                                  <a:ea typeface="Times New Roman" panose="02020603050405020304" pitchFamily="18" charset="0"/>
+                                  <a:cs typeface="Times New Roman" panose="02020603050405020304" pitchFamily="18" charset="0"/>
+                                </a:rPr>
+                                <m:t>L</m:t>
+                              </m:r>
+                              <m:r>
+                                <m:rPr>
+                                  <m:nor/>
+                                </m:rPr>
+                                <a:rPr lang="ru-RU" sz="1400" baseline="-25000">
+                                  <a:effectLst/>
+                                  <a:latin typeface="Cambria Math" panose="02040503050406030204" pitchFamily="18" charset="0"/>
+                                  <a:ea typeface="Times New Roman" panose="02020603050405020304" pitchFamily="18" charset="0"/>
+                                  <a:cs typeface="Times New Roman" panose="02020603050405020304" pitchFamily="18" charset="0"/>
+                                </a:rPr>
+                                <m:t>пчтаза</m:t>
+                              </m:r>
+                              <m:r>
+                                <a:rPr lang="ru-RU" sz="1400" i="1">
+                                  <a:effectLst/>
+                                  <a:latin typeface="Cambria Math" panose="02040503050406030204" pitchFamily="18" charset="0"/>
+                                  <a:ea typeface="Times New Roman" panose="02020603050405020304" pitchFamily="18" charset="0"/>
+                                  <a:cs typeface="Times New Roman" panose="02020603050405020304" pitchFamily="18" charset="0"/>
+                                </a:rPr>
+                                <m:t>  ∗ </m:t>
+                              </m:r>
+                              <m:r>
+                                <a:rPr lang="ru-RU" sz="1400" i="1">
+                                  <a:effectLst/>
+                                  <a:latin typeface="Cambria Math" panose="02040503050406030204" pitchFamily="18" charset="0"/>
+                                  <a:ea typeface="Times New Roman" panose="02020603050405020304" pitchFamily="18" charset="0"/>
+                                  <a:cs typeface="Times New Roman" panose="02020603050405020304" pitchFamily="18" charset="0"/>
+                                </a:rPr>
+                                <m:t>𝑠𝑖𝑛</m:t>
+                              </m:r>
+                              <m:d>
+                                <m:dPr>
+                                  <m:ctrlPr>
+                                    <a:rPr lang="ru-RU" sz="1400" i="1">
+                                      <a:effectLst/>
+                                      <a:latin typeface="Cambria Math" panose="02040503050406030204" pitchFamily="18" charset="0"/>
+                                      <a:ea typeface="Times New Roman" panose="02020603050405020304" pitchFamily="18" charset="0"/>
+                                      <a:cs typeface="Times New Roman" panose="02020603050405020304" pitchFamily="18" charset="0"/>
+                                    </a:rPr>
+                                  </m:ctrlPr>
+                                </m:dPr>
+                                <m:e>
+                                  <m:sSub>
+                                    <m:sSubPr>
+                                      <m:ctrlPr>
+                                        <a:rPr lang="ru-RU" sz="1400" i="1">
+                                          <a:effectLst/>
+                                          <a:latin typeface="Cambria Math" panose="02040503050406030204" pitchFamily="18" charset="0"/>
+                                          <a:ea typeface="Times New Roman" panose="02020603050405020304" pitchFamily="18" charset="0"/>
+                                          <a:cs typeface="Times New Roman" panose="02020603050405020304" pitchFamily="18" charset="0"/>
+                                        </a:rPr>
+                                      </m:ctrlPr>
+                                    </m:sSubPr>
+                                    <m:e>
+                                      <m:r>
+                                        <m:rPr>
+                                          <m:sty m:val="p"/>
+                                        </m:rPr>
+                                        <a:rPr lang="ru-RU" sz="1400">
+                                          <a:effectLst/>
+                                          <a:latin typeface="Cambria Math" panose="02040503050406030204" pitchFamily="18" charset="0"/>
+                                          <a:ea typeface="Times New Roman" panose="02020603050405020304" pitchFamily="18" charset="0"/>
+                                          <a:cs typeface="Times New Roman" panose="02020603050405020304" pitchFamily="18" charset="0"/>
+                                        </a:rPr>
+                                        <m:t>Θ</m:t>
+                                      </m:r>
+                                    </m:e>
+                                    <m:sub>
+                                      <m:r>
+                                        <m:rPr>
+                                          <m:sty m:val="p"/>
+                                        </m:rPr>
+                                        <a:rPr lang="en-US" sz="1400">
+                                          <a:effectLst/>
+                                          <a:latin typeface="Cambria Math" panose="02040503050406030204" pitchFamily="18" charset="0"/>
+                                          <a:ea typeface="Times New Roman" panose="02020603050405020304" pitchFamily="18" charset="0"/>
+                                          <a:cs typeface="Times New Roman" panose="02020603050405020304" pitchFamily="18" charset="0"/>
+                                        </a:rPr>
+                                        <m:t>y</m:t>
+                                      </m:r>
+                                      <m:r>
+                                        <a:rPr lang="ru-RU" sz="1400">
+                                          <a:effectLst/>
+                                          <a:latin typeface="Cambria Math" panose="02040503050406030204" pitchFamily="18" charset="0"/>
+                                          <a:ea typeface="Times New Roman" panose="02020603050405020304" pitchFamily="18" charset="0"/>
+                                          <a:cs typeface="Times New Roman" panose="02020603050405020304" pitchFamily="18" charset="0"/>
+                                        </a:rPr>
+                                        <m:t>таза</m:t>
+                                      </m:r>
+                                    </m:sub>
+                                  </m:sSub>
+                                </m:e>
+                              </m:d>
+                              <m:r>
+                                <a:rPr lang="ru-RU" sz="1400" i="1">
+                                  <a:effectLst/>
+                                  <a:latin typeface="Cambria Math" panose="02040503050406030204" pitchFamily="18" charset="0"/>
+                                  <a:ea typeface="Times New Roman" panose="02020603050405020304" pitchFamily="18" charset="0"/>
+                                  <a:cs typeface="Times New Roman" panose="02020603050405020304" pitchFamily="18" charset="0"/>
+                                </a:rPr>
+                                <m:t>𝑑</m:t>
+                              </m:r>
+                              <m:sSub>
+                                <m:sSubPr>
+                                  <m:ctrlPr>
+                                    <a:rPr lang="ru-RU" sz="1400" i="1">
+                                      <a:effectLst/>
+                                      <a:latin typeface="Cambria Math" panose="02040503050406030204" pitchFamily="18" charset="0"/>
+                                      <a:ea typeface="Times New Roman" panose="02020603050405020304" pitchFamily="18" charset="0"/>
+                                      <a:cs typeface="Times New Roman" panose="02020603050405020304" pitchFamily="18" charset="0"/>
+                                    </a:rPr>
+                                  </m:ctrlPr>
+                                </m:sSubPr>
+                                <m:e>
+                                  <m:r>
+                                    <m:rPr>
+                                      <m:sty m:val="p"/>
+                                    </m:rPr>
+                                    <a:rPr lang="ru-RU" sz="1400">
+                                      <a:effectLst/>
+                                      <a:latin typeface="Cambria Math" panose="02040503050406030204" pitchFamily="18" charset="0"/>
+                                      <a:ea typeface="Times New Roman" panose="02020603050405020304" pitchFamily="18" charset="0"/>
+                                      <a:cs typeface="Times New Roman" panose="02020603050405020304" pitchFamily="18" charset="0"/>
+                                    </a:rPr>
+                                    <m:t>Θ</m:t>
+                                  </m:r>
+                                </m:e>
+                                <m:sub>
+                                  <m:r>
+                                    <m:rPr>
+                                      <m:sty m:val="p"/>
+                                    </m:rPr>
+                                    <a:rPr lang="en-US" sz="1400">
+                                      <a:effectLst/>
+                                      <a:latin typeface="Cambria Math" panose="02040503050406030204" pitchFamily="18" charset="0"/>
+                                      <a:ea typeface="Times New Roman" panose="02020603050405020304" pitchFamily="18" charset="0"/>
+                                      <a:cs typeface="Times New Roman" panose="02020603050405020304" pitchFamily="18" charset="0"/>
+                                    </a:rPr>
+                                    <m:t>y</m:t>
+                                  </m:r>
+                                  <m:r>
+                                    <a:rPr lang="ru-RU" sz="1400">
+                                      <a:effectLst/>
+                                      <a:latin typeface="Cambria Math" panose="02040503050406030204" pitchFamily="18" charset="0"/>
+                                      <a:ea typeface="Times New Roman" panose="02020603050405020304" pitchFamily="18" charset="0"/>
+                                      <a:cs typeface="Times New Roman" panose="02020603050405020304" pitchFamily="18" charset="0"/>
+                                    </a:rPr>
+                                    <m:t>таза</m:t>
+                                  </m:r>
+                                </m:sub>
+                              </m:sSub>
+                              <m:r>
+                                <a:rPr lang="en-US" sz="1400" i="1">
+                                  <a:effectLst/>
+                                  <a:latin typeface="Cambria Math" panose="02040503050406030204" pitchFamily="18" charset="0"/>
+                                  <a:ea typeface="Times New Roman" panose="02020603050405020304" pitchFamily="18" charset="0"/>
+                                  <a:cs typeface="Times New Roman" panose="02020603050405020304" pitchFamily="18" charset="0"/>
+                                </a:rPr>
+                                <m:t>,</m:t>
+                              </m:r>
+                            </m:e>
+                            <m:e>
+                              <m:sSub>
+                                <m:sSubPr>
+                                  <m:ctrlPr>
+                                    <a:rPr lang="ru-RU" sz="1400" i="1">
+                                      <a:effectLst/>
+                                      <a:latin typeface="Cambria Math" panose="02040503050406030204" pitchFamily="18" charset="0"/>
+                                      <a:ea typeface="Times New Roman" panose="02020603050405020304" pitchFamily="18" charset="0"/>
+                                      <a:cs typeface="Times New Roman" panose="02020603050405020304" pitchFamily="18" charset="0"/>
+                                    </a:rPr>
+                                  </m:ctrlPr>
+                                </m:sSubPr>
+                                <m:e>
+                                  <m:r>
+                                    <m:rPr>
+                                      <m:sty m:val="p"/>
+                                    </m:rPr>
+                                    <a:rPr lang="en-US" sz="1400">
+                                      <a:effectLst/>
+                                      <a:latin typeface="Cambria Math" panose="02040503050406030204" pitchFamily="18" charset="0"/>
+                                      <a:ea typeface="Times New Roman" panose="02020603050405020304" pitchFamily="18" charset="0"/>
+                                      <a:cs typeface="Times New Roman" panose="02020603050405020304" pitchFamily="18" charset="0"/>
+                                    </a:rPr>
+                                    <m:t>a</m:t>
+                                  </m:r>
+                                </m:e>
+                                <m:sub>
+                                  <m:r>
+                                    <m:rPr>
+                                      <m:sty m:val="p"/>
+                                    </m:rPr>
+                                    <a:rPr lang="en-US" sz="1400">
+                                      <a:effectLst/>
+                                      <a:latin typeface="Cambria Math" panose="02040503050406030204" pitchFamily="18" charset="0"/>
+                                      <a:ea typeface="Times New Roman" panose="02020603050405020304" pitchFamily="18" charset="0"/>
+                                      <a:cs typeface="Times New Roman" panose="02020603050405020304" pitchFamily="18" charset="0"/>
+                                    </a:rPr>
+                                    <m:t>y</m:t>
+                                  </m:r>
+                                  <m:r>
+                                    <a:rPr lang="ru-RU" sz="1400">
+                                      <a:effectLst/>
+                                      <a:latin typeface="Cambria Math" panose="02040503050406030204" pitchFamily="18" charset="0"/>
+                                      <a:ea typeface="Times New Roman" panose="02020603050405020304" pitchFamily="18" charset="0"/>
+                                      <a:cs typeface="Times New Roman" panose="02020603050405020304" pitchFamily="18" charset="0"/>
+                                    </a:rPr>
+                                    <m:t>пбедра</m:t>
+                                  </m:r>
+                                </m:sub>
+                              </m:sSub>
+                              <m:r>
+                                <a:rPr lang="en-US" sz="1400" i="1">
+                                  <a:effectLst/>
+                                  <a:latin typeface="Cambria Math" panose="02040503050406030204" pitchFamily="18" charset="0"/>
+                                  <a:ea typeface="Times New Roman" panose="02020603050405020304" pitchFamily="18" charset="0"/>
+                                  <a:cs typeface="Times New Roman" panose="02020603050405020304" pitchFamily="18" charset="0"/>
+                                </a:rPr>
+                                <m:t>=</m:t>
+                              </m:r>
+                              <m:sSub>
+                                <m:sSubPr>
+                                  <m:ctrlPr>
+                                    <a:rPr lang="ru-RU" sz="1400" i="1">
+                                      <a:effectLst/>
+                                      <a:latin typeface="Cambria Math" panose="02040503050406030204" pitchFamily="18" charset="0"/>
+                                      <a:ea typeface="Times New Roman" panose="02020603050405020304" pitchFamily="18" charset="0"/>
+                                      <a:cs typeface="Times New Roman" panose="02020603050405020304" pitchFamily="18" charset="0"/>
+                                    </a:rPr>
+                                  </m:ctrlPr>
+                                </m:sSubPr>
+                                <m:e>
+                                  <m:r>
+                                    <m:rPr>
+                                      <m:sty m:val="p"/>
+                                    </m:rPr>
+                                    <a:rPr lang="en-US" sz="1400">
+                                      <a:effectLst/>
+                                      <a:latin typeface="Cambria Math" panose="02040503050406030204" pitchFamily="18" charset="0"/>
+                                      <a:ea typeface="Times New Roman" panose="02020603050405020304" pitchFamily="18" charset="0"/>
+                                      <a:cs typeface="Times New Roman" panose="02020603050405020304" pitchFamily="18" charset="0"/>
+                                    </a:rPr>
+                                    <m:t>a</m:t>
+                                  </m:r>
+                                </m:e>
+                                <m:sub>
+                                  <m:r>
+                                    <m:rPr>
+                                      <m:sty m:val="p"/>
+                                    </m:rPr>
+                                    <a:rPr lang="en-US" sz="1400">
+                                      <a:effectLst/>
+                                      <a:latin typeface="Cambria Math" panose="02040503050406030204" pitchFamily="18" charset="0"/>
+                                      <a:ea typeface="Times New Roman" panose="02020603050405020304" pitchFamily="18" charset="0"/>
+                                      <a:cs typeface="Times New Roman" panose="02020603050405020304" pitchFamily="18" charset="0"/>
+                                    </a:rPr>
+                                    <m:t>y</m:t>
+                                  </m:r>
+                                  <m:r>
+                                    <a:rPr lang="ru-RU" sz="1400">
+                                      <a:effectLst/>
+                                      <a:latin typeface="Cambria Math" panose="02040503050406030204" pitchFamily="18" charset="0"/>
+                                      <a:ea typeface="Times New Roman" panose="02020603050405020304" pitchFamily="18" charset="0"/>
+                                      <a:cs typeface="Times New Roman" panose="02020603050405020304" pitchFamily="18" charset="0"/>
+                                    </a:rPr>
+                                    <m:t>таза</m:t>
+                                  </m:r>
+                                </m:sub>
+                              </m:sSub>
+                              <m:r>
+                                <a:rPr lang="en-US" sz="1400" i="1">
+                                  <a:effectLst/>
+                                  <a:latin typeface="Cambria Math" panose="02040503050406030204" pitchFamily="18" charset="0"/>
+                                  <a:ea typeface="Times New Roman" panose="02020603050405020304" pitchFamily="18" charset="0"/>
+                                  <a:cs typeface="Times New Roman" panose="02020603050405020304" pitchFamily="18" charset="0"/>
+                                </a:rPr>
+                                <m:t> + </m:t>
+                              </m:r>
+                              <m:r>
+                                <m:rPr>
+                                  <m:nor/>
+                                </m:rPr>
+                                <a:rPr lang="en-US" sz="1400">
+                                  <a:effectLst/>
+                                  <a:latin typeface="Cambria Math" panose="02040503050406030204" pitchFamily="18" charset="0"/>
+                                  <a:ea typeface="Times New Roman" panose="02020603050405020304" pitchFamily="18" charset="0"/>
+                                  <a:cs typeface="Times New Roman" panose="02020603050405020304" pitchFamily="18" charset="0"/>
+                                </a:rPr>
+                                <m:t>L</m:t>
+                              </m:r>
+                              <m:r>
+                                <m:rPr>
+                                  <m:nor/>
+                                </m:rPr>
+                                <a:rPr lang="ru-RU" sz="1400" baseline="-25000">
+                                  <a:effectLst/>
+                                  <a:latin typeface="Cambria Math" panose="02040503050406030204" pitchFamily="18" charset="0"/>
+                                  <a:ea typeface="Times New Roman" panose="02020603050405020304" pitchFamily="18" charset="0"/>
+                                  <a:cs typeface="Times New Roman" panose="02020603050405020304" pitchFamily="18" charset="0"/>
+                                </a:rPr>
+                                <m:t>пчтаза</m:t>
+                              </m:r>
+                              <m:r>
+                                <a:rPr lang="en-US" sz="1400" i="1" baseline="-25000">
+                                  <a:effectLst/>
+                                  <a:latin typeface="Cambria Math" panose="02040503050406030204" pitchFamily="18" charset="0"/>
+                                  <a:ea typeface="Times New Roman" panose="02020603050405020304" pitchFamily="18" charset="0"/>
+                                  <a:cs typeface="Times New Roman" panose="02020603050405020304" pitchFamily="18" charset="0"/>
+                                </a:rPr>
+                                <m:t> </m:t>
+                              </m:r>
+                              <m:r>
+                                <a:rPr lang="en-US" sz="1400" i="1">
+                                  <a:effectLst/>
+                                  <a:latin typeface="Cambria Math" panose="02040503050406030204" pitchFamily="18" charset="0"/>
+                                  <a:ea typeface="Times New Roman" panose="02020603050405020304" pitchFamily="18" charset="0"/>
+                                  <a:cs typeface="Times New Roman" panose="02020603050405020304" pitchFamily="18" charset="0"/>
+                                </a:rPr>
+                                <m:t>∗ </m:t>
+                              </m:r>
+                              <m:r>
+                                <a:rPr lang="en-US" sz="1400" i="1">
+                                  <a:effectLst/>
+                                  <a:latin typeface="Cambria Math" panose="02040503050406030204" pitchFamily="18" charset="0"/>
+                                  <a:ea typeface="Times New Roman" panose="02020603050405020304" pitchFamily="18" charset="0"/>
+                                  <a:cs typeface="Times New Roman" panose="02020603050405020304" pitchFamily="18" charset="0"/>
+                                </a:rPr>
+                                <m:t>𝑐𝑜𝑠</m:t>
+                              </m:r>
+                              <m:d>
+                                <m:dPr>
+                                  <m:ctrlPr>
+                                    <a:rPr lang="ru-RU" sz="1400" i="1">
+                                      <a:effectLst/>
+                                      <a:latin typeface="Cambria Math" panose="02040503050406030204" pitchFamily="18" charset="0"/>
+                                      <a:ea typeface="Times New Roman" panose="02020603050405020304" pitchFamily="18" charset="0"/>
+                                      <a:cs typeface="Times New Roman" panose="02020603050405020304" pitchFamily="18" charset="0"/>
+                                    </a:rPr>
+                                  </m:ctrlPr>
+                                </m:dPr>
+                                <m:e>
+                                  <m:sSub>
+                                    <m:sSubPr>
+                                      <m:ctrlPr>
+                                        <a:rPr lang="ru-RU" sz="1400" i="1">
+                                          <a:effectLst/>
+                                          <a:latin typeface="Cambria Math" panose="02040503050406030204" pitchFamily="18" charset="0"/>
+                                          <a:ea typeface="Times New Roman" panose="02020603050405020304" pitchFamily="18" charset="0"/>
+                                          <a:cs typeface="Times New Roman" panose="02020603050405020304" pitchFamily="18" charset="0"/>
+                                        </a:rPr>
+                                      </m:ctrlPr>
+                                    </m:sSubPr>
+                                    <m:e>
+                                      <m:r>
+                                        <m:rPr>
+                                          <m:sty m:val="p"/>
+                                        </m:rPr>
+                                        <a:rPr lang="ru-RU" sz="1400">
+                                          <a:effectLst/>
+                                          <a:latin typeface="Cambria Math" panose="02040503050406030204" pitchFamily="18" charset="0"/>
+                                          <a:ea typeface="Times New Roman" panose="02020603050405020304" pitchFamily="18" charset="0"/>
+                                          <a:cs typeface="Times New Roman" panose="02020603050405020304" pitchFamily="18" charset="0"/>
+                                        </a:rPr>
+                                        <m:t>Θ</m:t>
+                                      </m:r>
+                                    </m:e>
+                                    <m:sub>
+                                      <m:r>
+                                        <m:rPr>
+                                          <m:sty m:val="p"/>
+                                        </m:rPr>
+                                        <a:rPr lang="en-US" sz="1400">
+                                          <a:effectLst/>
+                                          <a:latin typeface="Cambria Math" panose="02040503050406030204" pitchFamily="18" charset="0"/>
+                                          <a:ea typeface="Times New Roman" panose="02020603050405020304" pitchFamily="18" charset="0"/>
+                                          <a:cs typeface="Times New Roman" panose="02020603050405020304" pitchFamily="18" charset="0"/>
+                                        </a:rPr>
+                                        <m:t>y</m:t>
+                                      </m:r>
+                                      <m:r>
+                                        <a:rPr lang="ru-RU" sz="1400">
+                                          <a:effectLst/>
+                                          <a:latin typeface="Cambria Math" panose="02040503050406030204" pitchFamily="18" charset="0"/>
+                                          <a:ea typeface="Times New Roman" panose="02020603050405020304" pitchFamily="18" charset="0"/>
+                                          <a:cs typeface="Times New Roman" panose="02020603050405020304" pitchFamily="18" charset="0"/>
+                                        </a:rPr>
+                                        <m:t>таза</m:t>
+                                      </m:r>
+                                    </m:sub>
+                                  </m:sSub>
+                                </m:e>
+                              </m:d>
+                              <m:r>
+                                <a:rPr lang="en-US" sz="1400" i="1">
+                                  <a:effectLst/>
+                                  <a:latin typeface="Cambria Math" panose="02040503050406030204" pitchFamily="18" charset="0"/>
+                                  <a:ea typeface="Times New Roman" panose="02020603050405020304" pitchFamily="18" charset="0"/>
+                                  <a:cs typeface="Times New Roman" panose="02020603050405020304" pitchFamily="18" charset="0"/>
+                                </a:rPr>
+                                <m:t>∗ </m:t>
+                              </m:r>
+                              <m:sSup>
+                                <m:sSupPr>
+                                  <m:ctrlPr>
+                                    <a:rPr lang="ru-RU" sz="1400" i="1">
+                                      <a:effectLst/>
+                                      <a:latin typeface="Cambria Math" panose="02040503050406030204" pitchFamily="18" charset="0"/>
+                                      <a:ea typeface="Times New Roman" panose="02020603050405020304" pitchFamily="18" charset="0"/>
+                                      <a:cs typeface="Times New Roman" panose="02020603050405020304" pitchFamily="18" charset="0"/>
+                                    </a:rPr>
+                                  </m:ctrlPr>
+                                </m:sSupPr>
+                                <m:e>
+                                  <m:r>
+                                    <a:rPr lang="en-US" sz="1400" i="1">
+                                      <a:effectLst/>
+                                      <a:latin typeface="Cambria Math" panose="02040503050406030204" pitchFamily="18" charset="0"/>
+                                      <a:ea typeface="Times New Roman" panose="02020603050405020304" pitchFamily="18" charset="0"/>
+                                      <a:cs typeface="Times New Roman" panose="02020603050405020304" pitchFamily="18" charset="0"/>
+                                    </a:rPr>
+                                    <m:t>𝑑</m:t>
+                                  </m:r>
+                                  <m:sSub>
+                                    <m:sSubPr>
+                                      <m:ctrlPr>
+                                        <a:rPr lang="ru-RU" sz="1400" i="1">
+                                          <a:effectLst/>
+                                          <a:latin typeface="Cambria Math" panose="02040503050406030204" pitchFamily="18" charset="0"/>
+                                          <a:ea typeface="Times New Roman" panose="02020603050405020304" pitchFamily="18" charset="0"/>
+                                          <a:cs typeface="Times New Roman" panose="02020603050405020304" pitchFamily="18" charset="0"/>
+                                        </a:rPr>
+                                      </m:ctrlPr>
+                                    </m:sSubPr>
+                                    <m:e>
+                                      <m:r>
+                                        <m:rPr>
+                                          <m:sty m:val="p"/>
+                                        </m:rPr>
+                                        <a:rPr lang="ru-RU" sz="1400">
+                                          <a:effectLst/>
+                                          <a:latin typeface="Cambria Math" panose="02040503050406030204" pitchFamily="18" charset="0"/>
+                                          <a:ea typeface="Times New Roman" panose="02020603050405020304" pitchFamily="18" charset="0"/>
+                                          <a:cs typeface="Times New Roman" panose="02020603050405020304" pitchFamily="18" charset="0"/>
+                                        </a:rPr>
+                                        <m:t>Θ</m:t>
+                                      </m:r>
+                                    </m:e>
+                                    <m:sub>
+                                      <m:r>
+                                        <m:rPr>
+                                          <m:sty m:val="p"/>
+                                        </m:rPr>
+                                        <a:rPr lang="en-US" sz="1400">
+                                          <a:effectLst/>
+                                          <a:latin typeface="Cambria Math" panose="02040503050406030204" pitchFamily="18" charset="0"/>
+                                          <a:ea typeface="Times New Roman" panose="02020603050405020304" pitchFamily="18" charset="0"/>
+                                          <a:cs typeface="Times New Roman" panose="02020603050405020304" pitchFamily="18" charset="0"/>
+                                        </a:rPr>
+                                        <m:t>y</m:t>
+                                      </m:r>
+                                      <m:r>
+                                        <a:rPr lang="ru-RU" sz="1400">
+                                          <a:effectLst/>
+                                          <a:latin typeface="Cambria Math" panose="02040503050406030204" pitchFamily="18" charset="0"/>
+                                          <a:ea typeface="Times New Roman" panose="02020603050405020304" pitchFamily="18" charset="0"/>
+                                          <a:cs typeface="Times New Roman" panose="02020603050405020304" pitchFamily="18" charset="0"/>
+                                        </a:rPr>
+                                        <m:t>таза</m:t>
+                                      </m:r>
+                                    </m:sub>
+                                  </m:sSub>
+                                </m:e>
+                                <m:sup>
+                                  <m:r>
+                                    <a:rPr lang="en-US" sz="1400" i="1">
+                                      <a:effectLst/>
+                                      <a:latin typeface="Cambria Math" panose="02040503050406030204" pitchFamily="18" charset="0"/>
+                                      <a:ea typeface="Times New Roman" panose="02020603050405020304" pitchFamily="18" charset="0"/>
+                                      <a:cs typeface="Times New Roman" panose="02020603050405020304" pitchFamily="18" charset="0"/>
+                                    </a:rPr>
+                                    <m:t>2</m:t>
+                                  </m:r>
+                                </m:sup>
+                              </m:sSup>
+                            </m:e>
+                            <m:e>
+                              <m:r>
+                                <a:rPr lang="en-US" sz="1400" i="1">
+                                  <a:effectLst/>
+                                  <a:latin typeface="Cambria Math" panose="02040503050406030204" pitchFamily="18" charset="0"/>
+                                  <a:ea typeface="Times New Roman" panose="02020603050405020304" pitchFamily="18" charset="0"/>
+                                  <a:cs typeface="Times New Roman" panose="02020603050405020304" pitchFamily="18" charset="0"/>
+                                </a:rPr>
+                                <m:t>− </m:t>
+                              </m:r>
+                              <m:r>
+                                <m:rPr>
+                                  <m:nor/>
+                                </m:rPr>
+                                <a:rPr lang="en-US" sz="1400">
+                                  <a:effectLst/>
+                                  <a:latin typeface="Cambria Math" panose="02040503050406030204" pitchFamily="18" charset="0"/>
+                                  <a:ea typeface="Times New Roman" panose="02020603050405020304" pitchFamily="18" charset="0"/>
+                                  <a:cs typeface="Times New Roman" panose="02020603050405020304" pitchFamily="18" charset="0"/>
+                                </a:rPr>
+                                <m:t>L</m:t>
+                              </m:r>
+                              <m:r>
+                                <m:rPr>
+                                  <m:nor/>
+                                </m:rPr>
+                                <a:rPr lang="ru-RU" sz="1400" baseline="-25000">
+                                  <a:effectLst/>
+                                  <a:latin typeface="Cambria Math" panose="02040503050406030204" pitchFamily="18" charset="0"/>
+                                  <a:ea typeface="Times New Roman" panose="02020603050405020304" pitchFamily="18" charset="0"/>
+                                  <a:cs typeface="Times New Roman" panose="02020603050405020304" pitchFamily="18" charset="0"/>
+                                </a:rPr>
+                                <m:t>пчтаза</m:t>
+                              </m:r>
+                              <m:r>
+                                <a:rPr lang="en-US" sz="1400" i="1">
+                                  <a:effectLst/>
+                                  <a:latin typeface="Cambria Math" panose="02040503050406030204" pitchFamily="18" charset="0"/>
+                                  <a:ea typeface="Times New Roman" panose="02020603050405020304" pitchFamily="18" charset="0"/>
+                                  <a:cs typeface="Times New Roman" panose="02020603050405020304" pitchFamily="18" charset="0"/>
+                                </a:rPr>
+                                <m:t> ∗ </m:t>
+                              </m:r>
+                              <m:r>
+                                <a:rPr lang="en-US" sz="1400" i="1">
+                                  <a:effectLst/>
+                                  <a:latin typeface="Cambria Math" panose="02040503050406030204" pitchFamily="18" charset="0"/>
+                                  <a:ea typeface="Times New Roman" panose="02020603050405020304" pitchFamily="18" charset="0"/>
+                                  <a:cs typeface="Times New Roman" panose="02020603050405020304" pitchFamily="18" charset="0"/>
+                                </a:rPr>
+                                <m:t>𝑠𝑖𝑛</m:t>
+                              </m:r>
+                              <m:d>
+                                <m:dPr>
+                                  <m:ctrlPr>
+                                    <a:rPr lang="ru-RU" sz="1400" i="1">
+                                      <a:effectLst/>
+                                      <a:latin typeface="Cambria Math" panose="02040503050406030204" pitchFamily="18" charset="0"/>
+                                      <a:ea typeface="Times New Roman" panose="02020603050405020304" pitchFamily="18" charset="0"/>
+                                      <a:cs typeface="Times New Roman" panose="02020603050405020304" pitchFamily="18" charset="0"/>
+                                    </a:rPr>
+                                  </m:ctrlPr>
+                                </m:dPr>
+                                <m:e>
+                                  <m:sSub>
+                                    <m:sSubPr>
+                                      <m:ctrlPr>
+                                        <a:rPr lang="ru-RU" sz="1400" i="1">
+                                          <a:effectLst/>
+                                          <a:latin typeface="Cambria Math" panose="02040503050406030204" pitchFamily="18" charset="0"/>
+                                          <a:ea typeface="Times New Roman" panose="02020603050405020304" pitchFamily="18" charset="0"/>
+                                          <a:cs typeface="Times New Roman" panose="02020603050405020304" pitchFamily="18" charset="0"/>
+                                        </a:rPr>
+                                      </m:ctrlPr>
+                                    </m:sSubPr>
+                                    <m:e>
+                                      <m:r>
+                                        <m:rPr>
+                                          <m:sty m:val="p"/>
+                                        </m:rPr>
+                                        <a:rPr lang="ru-RU" sz="1400">
+                                          <a:effectLst/>
+                                          <a:latin typeface="Cambria Math" panose="02040503050406030204" pitchFamily="18" charset="0"/>
+                                          <a:ea typeface="Times New Roman" panose="02020603050405020304" pitchFamily="18" charset="0"/>
+                                          <a:cs typeface="Times New Roman" panose="02020603050405020304" pitchFamily="18" charset="0"/>
+                                        </a:rPr>
+                                        <m:t>Θ</m:t>
+                                      </m:r>
+                                    </m:e>
+                                    <m:sub>
+                                      <m:r>
+                                        <m:rPr>
+                                          <m:sty m:val="p"/>
+                                        </m:rPr>
+                                        <a:rPr lang="en-US" sz="1400">
+                                          <a:effectLst/>
+                                          <a:latin typeface="Cambria Math" panose="02040503050406030204" pitchFamily="18" charset="0"/>
+                                          <a:ea typeface="Times New Roman" panose="02020603050405020304" pitchFamily="18" charset="0"/>
+                                          <a:cs typeface="Times New Roman" panose="02020603050405020304" pitchFamily="18" charset="0"/>
+                                        </a:rPr>
+                                        <m:t>y</m:t>
+                                      </m:r>
+                                      <m:r>
+                                        <a:rPr lang="ru-RU" sz="1400">
+                                          <a:effectLst/>
+                                          <a:latin typeface="Cambria Math" panose="02040503050406030204" pitchFamily="18" charset="0"/>
+                                          <a:ea typeface="Times New Roman" panose="02020603050405020304" pitchFamily="18" charset="0"/>
+                                          <a:cs typeface="Times New Roman" panose="02020603050405020304" pitchFamily="18" charset="0"/>
+                                        </a:rPr>
+                                        <m:t>таза</m:t>
+                                      </m:r>
+                                    </m:sub>
+                                  </m:sSub>
+                                </m:e>
+                              </m:d>
+                              <m:r>
+                                <a:rPr lang="en-US" sz="1400" i="1">
+                                  <a:effectLst/>
+                                  <a:latin typeface="Cambria Math" panose="02040503050406030204" pitchFamily="18" charset="0"/>
+                                  <a:ea typeface="Times New Roman" panose="02020603050405020304" pitchFamily="18" charset="0"/>
+                                  <a:cs typeface="Times New Roman" panose="02020603050405020304" pitchFamily="18" charset="0"/>
+                                </a:rPr>
+                                <m:t> </m:t>
+                              </m:r>
+                              <m:r>
+                                <a:rPr lang="en-US" sz="1400" i="1">
+                                  <a:effectLst/>
+                                  <a:latin typeface="Cambria Math" panose="02040503050406030204" pitchFamily="18" charset="0"/>
+                                  <a:ea typeface="Times New Roman" panose="02020603050405020304" pitchFamily="18" charset="0"/>
+                                  <a:cs typeface="Times New Roman" panose="02020603050405020304" pitchFamily="18" charset="0"/>
+                                </a:rPr>
+                                <m:t>𝑑𝑑</m:t>
+                              </m:r>
+                              <m:sSub>
+                                <m:sSubPr>
+                                  <m:ctrlPr>
+                                    <a:rPr lang="ru-RU" sz="1400" i="1">
+                                      <a:effectLst/>
+                                      <a:latin typeface="Cambria Math" panose="02040503050406030204" pitchFamily="18" charset="0"/>
+                                      <a:ea typeface="Times New Roman" panose="02020603050405020304" pitchFamily="18" charset="0"/>
+                                      <a:cs typeface="Times New Roman" panose="02020603050405020304" pitchFamily="18" charset="0"/>
+                                    </a:rPr>
+                                  </m:ctrlPr>
+                                </m:sSubPr>
+                                <m:e>
+                                  <m:r>
+                                    <m:rPr>
+                                      <m:sty m:val="p"/>
+                                    </m:rPr>
+                                    <a:rPr lang="ru-RU" sz="1400">
+                                      <a:effectLst/>
+                                      <a:latin typeface="Cambria Math" panose="02040503050406030204" pitchFamily="18" charset="0"/>
+                                      <a:ea typeface="Times New Roman" panose="02020603050405020304" pitchFamily="18" charset="0"/>
+                                      <a:cs typeface="Times New Roman" panose="02020603050405020304" pitchFamily="18" charset="0"/>
+                                    </a:rPr>
+                                    <m:t>Θ</m:t>
+                                  </m:r>
+                                </m:e>
+                                <m:sub>
+                                  <m:r>
+                                    <m:rPr>
+                                      <m:sty m:val="p"/>
+                                    </m:rPr>
+                                    <a:rPr lang="en-US" sz="1400">
+                                      <a:effectLst/>
+                                      <a:latin typeface="Cambria Math" panose="02040503050406030204" pitchFamily="18" charset="0"/>
+                                      <a:ea typeface="Times New Roman" panose="02020603050405020304" pitchFamily="18" charset="0"/>
+                                      <a:cs typeface="Times New Roman" panose="02020603050405020304" pitchFamily="18" charset="0"/>
+                                    </a:rPr>
+                                    <m:t>y</m:t>
+                                  </m:r>
+                                  <m:r>
+                                    <a:rPr lang="ru-RU" sz="1400">
+                                      <a:effectLst/>
+                                      <a:latin typeface="Cambria Math" panose="02040503050406030204" pitchFamily="18" charset="0"/>
+                                      <a:ea typeface="Times New Roman" panose="02020603050405020304" pitchFamily="18" charset="0"/>
+                                      <a:cs typeface="Times New Roman" panose="02020603050405020304" pitchFamily="18" charset="0"/>
+                                    </a:rPr>
+                                    <m:t>таза</m:t>
+                                  </m:r>
+                                </m:sub>
+                              </m:sSub>
+                              <m:r>
+                                <a:rPr lang="en-US" sz="1400" i="1">
+                                  <a:effectLst/>
+                                  <a:latin typeface="Cambria Math" panose="02040503050406030204" pitchFamily="18" charset="0"/>
+                                  <a:ea typeface="Times New Roman" panose="02020603050405020304" pitchFamily="18" charset="0"/>
+                                  <a:cs typeface="Times New Roman" panose="02020603050405020304" pitchFamily="18" charset="0"/>
+                                </a:rPr>
+                                <m:t>.</m:t>
+                              </m:r>
+                            </m:e>
+                          </m:eqArr>
+                        </m:e>
+                      </m:d>
+                    </m:oMath>
+                  </m:oMathPara>
+                </a14:m>
+                <a:endParaRPr lang="ru-RU" sz="1400" dirty="0">
+                  <a:effectLst/>
+                  <a:latin typeface="Times New Roman" panose="02020603050405020304" pitchFamily="18" charset="0"/>
+                  <a:ea typeface="Calibri" panose="020F0502020204030204" pitchFamily="34" charset="0"/>
+                  <a:cs typeface="Times New Roman" panose="02020603050405020304" pitchFamily="18" charset="0"/>
+                </a:endParaRPr>
+              </a:p>
+              <a:p>
                 <a:endParaRPr lang="ru-RU" dirty="0"/>
               </a:p>
             </p:txBody>
@@ -10828,7 +12000,7 @@
             <p:spPr>
               <a:xfrm>
                 <a:off x="159391" y="1066010"/>
-                <a:ext cx="6518246" cy="6165534"/>
+                <a:ext cx="6518246" cy="5934958"/>
               </a:xfrm>
               <a:prstGeom prst="rect">
                 <a:avLst/>
@@ -10836,7 +12008,7 @@
               <a:blipFill>
                 <a:blip r:embed="rId3"/>
                 <a:stretch>
-                  <a:fillRect l="-281" t="-198" r="-281"/>
+                  <a:fillRect l="-281" t="-206" r="-281"/>
                 </a:stretch>
               </a:blipFill>
             </p:spPr>
